--- a/MyOutfit-prezentare.pptx
+++ b/MyOutfit-prezentare.pptx
@@ -7,10 +7,10 @@
   <p:sldIdLst>
     <p:sldId id="256" r:id="rId2"/>
     <p:sldId id="257" r:id="rId3"/>
-    <p:sldId id="259" r:id="rId4"/>
-    <p:sldId id="260" r:id="rId5"/>
-    <p:sldId id="262" r:id="rId6"/>
-    <p:sldId id="261" r:id="rId7"/>
+    <p:sldId id="260" r:id="rId4"/>
+    <p:sldId id="262" r:id="rId5"/>
+    <p:sldId id="261" r:id="rId6"/>
+    <p:sldId id="266" r:id="rId7"/>
     <p:sldId id="263" r:id="rId8"/>
     <p:sldId id="264" r:id="rId9"/>
     <p:sldId id="258" r:id="rId10"/>
@@ -124,9 +124,633 @@
 <file path=ppt/revisionInfo.xml><?xml version="1.0" encoding="utf-8"?>
 <p1510:revInfo xmlns:a="http://schemas.openxmlformats.org/drawingml/2006/main" xmlns:r="http://schemas.openxmlformats.org/officeDocument/2006/relationships" xmlns:p1510="http://schemas.microsoft.com/office/powerpoint/2015/10/main">
   <p1510:revLst>
+    <p1510:client id="{A254348F-6F31-4070-AC2B-B024B304109D}" v="1" dt="2019-07-05T16:45:10.367"/>
     <p1510:client id="{FDD5CE67-5170-4FCA-8B8F-EB1712C1A882}" v="13" dt="2019-06-27T10:08:52.274"/>
   </p1510:revLst>
 </p1510:revInfo>
+</file>
+
+<file path=ppt/changesInfos/changesInfo1.xml><?xml version="1.0" encoding="utf-8"?>
+<pc:chgInfo xmlns:a="http://schemas.openxmlformats.org/drawingml/2006/main" xmlns:r="http://schemas.openxmlformats.org/officeDocument/2006/relationships" xmlns:ac="http://schemas.microsoft.com/office/drawing/2013/main/command" xmlns:pc="http://schemas.microsoft.com/office/powerpoint/2013/main/command">
+  <pc:docChgLst>
+    <pc:chgData name="Andrada Tapuc" userId="ec46341a5102a00b" providerId="Windows Live" clId="Web-{FDD5CE67-5170-4FCA-8B8F-EB1712C1A882}"/>
+    <pc:docChg chg="addSld modSld">
+      <pc:chgData name="Andrada Tapuc" userId="ec46341a5102a00b" providerId="Windows Live" clId="Web-{FDD5CE67-5170-4FCA-8B8F-EB1712C1A882}" dt="2019-06-27T10:09:12.883" v="183" actId="20577"/>
+      <pc:docMkLst>
+        <pc:docMk/>
+      </pc:docMkLst>
+      <pc:sldChg chg="addSp delSp modSp mod setBg">
+        <pc:chgData name="Andrada Tapuc" userId="ec46341a5102a00b" providerId="Windows Live" clId="Web-{FDD5CE67-5170-4FCA-8B8F-EB1712C1A882}" dt="2019-06-27T10:08:52.274" v="181" actId="1076"/>
+        <pc:sldMkLst>
+          <pc:docMk/>
+          <pc:sldMk cId="3601082625" sldId="256"/>
+        </pc:sldMkLst>
+        <pc:spChg chg="mod">
+          <ac:chgData name="Andrada Tapuc" userId="ec46341a5102a00b" providerId="Windows Live" clId="Web-{FDD5CE67-5170-4FCA-8B8F-EB1712C1A882}" dt="2019-06-27T10:08:48.774" v="179"/>
+          <ac:spMkLst>
+            <pc:docMk/>
+            <pc:sldMk cId="3601082625" sldId="256"/>
+            <ac:spMk id="2" creationId="{00000000-0000-0000-0000-000000000000}"/>
+          </ac:spMkLst>
+        </pc:spChg>
+        <pc:spChg chg="mod">
+          <ac:chgData name="Andrada Tapuc" userId="ec46341a5102a00b" providerId="Windows Live" clId="Web-{FDD5CE67-5170-4FCA-8B8F-EB1712C1A882}" dt="2019-06-27T10:08:48.774" v="179"/>
+          <ac:spMkLst>
+            <pc:docMk/>
+            <pc:sldMk cId="3601082625" sldId="256"/>
+            <ac:spMk id="3" creationId="{00000000-0000-0000-0000-000000000000}"/>
+          </ac:spMkLst>
+        </pc:spChg>
+        <pc:spChg chg="add del">
+          <ac:chgData name="Andrada Tapuc" userId="ec46341a5102a00b" providerId="Windows Live" clId="Web-{FDD5CE67-5170-4FCA-8B8F-EB1712C1A882}" dt="2019-06-27T10:08:34.930" v="162"/>
+          <ac:spMkLst>
+            <pc:docMk/>
+            <pc:sldMk cId="3601082625" sldId="256"/>
+            <ac:spMk id="6" creationId="{46433AC8-8A78-46AB-B013-07DC9D75258C}"/>
+          </ac:spMkLst>
+        </pc:spChg>
+        <pc:spChg chg="add del">
+          <ac:chgData name="Andrada Tapuc" userId="ec46341a5102a00b" providerId="Windows Live" clId="Web-{FDD5CE67-5170-4FCA-8B8F-EB1712C1A882}" dt="2019-06-27T10:08:34.930" v="162"/>
+          <ac:spMkLst>
+            <pc:docMk/>
+            <pc:sldMk cId="3601082625" sldId="256"/>
+            <ac:spMk id="7" creationId="{37E10E69-B2A5-4F8D-A7C0-F958BB7B47C1}"/>
+          </ac:spMkLst>
+        </pc:spChg>
+        <pc:spChg chg="add del">
+          <ac:chgData name="Andrada Tapuc" userId="ec46341a5102a00b" providerId="Windows Live" clId="Web-{FDD5CE67-5170-4FCA-8B8F-EB1712C1A882}" dt="2019-06-27T10:08:34.930" v="162"/>
+          <ac:spMkLst>
+            <pc:docMk/>
+            <pc:sldMk cId="3601082625" sldId="256"/>
+            <ac:spMk id="8" creationId="{2E4B17F2-7877-4CC5-B6F6-F4147FE7B290}"/>
+          </ac:spMkLst>
+        </pc:spChg>
+        <pc:spChg chg="add del">
+          <ac:chgData name="Andrada Tapuc" userId="ec46341a5102a00b" providerId="Windows Live" clId="Web-{FDD5CE67-5170-4FCA-8B8F-EB1712C1A882}" dt="2019-06-27T10:08:29.243" v="160"/>
+          <ac:spMkLst>
+            <pc:docMk/>
+            <pc:sldMk cId="3601082625" sldId="256"/>
+            <ac:spMk id="9" creationId="{692296C6-28F7-4BD7-9EFB-22A268E3D42B}"/>
+          </ac:spMkLst>
+        </pc:spChg>
+        <pc:spChg chg="add del">
+          <ac:chgData name="Andrada Tapuc" userId="ec46341a5102a00b" providerId="Windows Live" clId="Web-{FDD5CE67-5170-4FCA-8B8F-EB1712C1A882}" dt="2019-06-27T10:08:37.867" v="164"/>
+          <ac:spMkLst>
+            <pc:docMk/>
+            <pc:sldMk cId="3601082625" sldId="256"/>
+            <ac:spMk id="10" creationId="{692296C6-28F7-4BD7-9EFB-22A268E3D42B}"/>
+          </ac:spMkLst>
+        </pc:spChg>
+        <pc:spChg chg="add del">
+          <ac:chgData name="Andrada Tapuc" userId="ec46341a5102a00b" providerId="Windows Live" clId="Web-{FDD5CE67-5170-4FCA-8B8F-EB1712C1A882}" dt="2019-06-27T10:08:29.243" v="160"/>
+          <ac:spMkLst>
+            <pc:docMk/>
+            <pc:sldMk cId="3601082625" sldId="256"/>
+            <ac:spMk id="11" creationId="{CBB17300-EE76-409B-97FE-4836C5093DB3}"/>
+          </ac:spMkLst>
+        </pc:spChg>
+        <pc:spChg chg="add del">
+          <ac:chgData name="Andrada Tapuc" userId="ec46341a5102a00b" providerId="Windows Live" clId="Web-{FDD5CE67-5170-4FCA-8B8F-EB1712C1A882}" dt="2019-06-27T10:08:37.867" v="164"/>
+          <ac:spMkLst>
+            <pc:docMk/>
+            <pc:sldMk cId="3601082625" sldId="256"/>
+            <ac:spMk id="12" creationId="{CBB17300-EE76-409B-97FE-4836C5093DB3}"/>
+          </ac:spMkLst>
+        </pc:spChg>
+        <pc:spChg chg="add del">
+          <ac:chgData name="Andrada Tapuc" userId="ec46341a5102a00b" providerId="Windows Live" clId="Web-{FDD5CE67-5170-4FCA-8B8F-EB1712C1A882}" dt="2019-06-27T10:08:29.243" v="160"/>
+          <ac:spMkLst>
+            <pc:docMk/>
+            <pc:sldMk cId="3601082625" sldId="256"/>
+            <ac:spMk id="13" creationId="{AEABCDF0-66B8-40A9-98EB-B6837EF185E2}"/>
+          </ac:spMkLst>
+        </pc:spChg>
+        <pc:spChg chg="add del">
+          <ac:chgData name="Andrada Tapuc" userId="ec46341a5102a00b" providerId="Windows Live" clId="Web-{FDD5CE67-5170-4FCA-8B8F-EB1712C1A882}" dt="2019-06-27T10:08:37.867" v="164"/>
+          <ac:spMkLst>
+            <pc:docMk/>
+            <pc:sldMk cId="3601082625" sldId="256"/>
+            <ac:spMk id="14" creationId="{AEABCDF0-66B8-40A9-98EB-B6837EF185E2}"/>
+          </ac:spMkLst>
+        </pc:spChg>
+        <pc:picChg chg="add mod">
+          <ac:chgData name="Andrada Tapuc" userId="ec46341a5102a00b" providerId="Windows Live" clId="Web-{FDD5CE67-5170-4FCA-8B8F-EB1712C1A882}" dt="2019-06-27T10:08:52.274" v="181" actId="1076"/>
+          <ac:picMkLst>
+            <pc:docMk/>
+            <pc:sldMk cId="3601082625" sldId="256"/>
+            <ac:picMk id="4" creationId="{7D5DD912-896A-43EB-A591-1FEA0F0F145B}"/>
+          </ac:picMkLst>
+        </pc:picChg>
+      </pc:sldChg>
+      <pc:sldChg chg="modSp new">
+        <pc:chgData name="Andrada Tapuc" userId="ec46341a5102a00b" providerId="Windows Live" clId="Web-{FDD5CE67-5170-4FCA-8B8F-EB1712C1A882}" dt="2019-06-27T10:09:12.883" v="182" actId="20577"/>
+        <pc:sldMkLst>
+          <pc:docMk/>
+          <pc:sldMk cId="277846020" sldId="257"/>
+        </pc:sldMkLst>
+        <pc:spChg chg="mod">
+          <ac:chgData name="Andrada Tapuc" userId="ec46341a5102a00b" providerId="Windows Live" clId="Web-{FDD5CE67-5170-4FCA-8B8F-EB1712C1A882}" dt="2019-06-27T10:09:12.883" v="182" actId="20577"/>
+          <ac:spMkLst>
+            <pc:docMk/>
+            <pc:sldMk cId="277846020" sldId="257"/>
+            <ac:spMk id="2" creationId="{6456E94F-57A3-4D16-9F34-DA76B71475D8}"/>
+          </ac:spMkLst>
+        </pc:spChg>
+        <pc:spChg chg="mod">
+          <ac:chgData name="Andrada Tapuc" userId="ec46341a5102a00b" providerId="Windows Live" clId="Web-{FDD5CE67-5170-4FCA-8B8F-EB1712C1A882}" dt="2019-06-27T10:03:13.932" v="138" actId="20577"/>
+          <ac:spMkLst>
+            <pc:docMk/>
+            <pc:sldMk cId="277846020" sldId="257"/>
+            <ac:spMk id="3" creationId="{AE059A6F-B0FF-4806-B601-6EAA65C176C1}"/>
+          </ac:spMkLst>
+        </pc:spChg>
+      </pc:sldChg>
+    </pc:docChg>
+  </pc:docChgLst>
+  <pc:docChgLst>
+    <pc:chgData name="Andrada Tapuc" userId="ec46341a5102a00b" providerId="Windows Live" clId="Web-{A254348F-6F31-4070-AC2B-B024B304109D}"/>
+    <pc:docChg chg="addSld delSld modSld sldOrd">
+      <pc:chgData name="Andrada Tapuc" userId="ec46341a5102a00b" providerId="Windows Live" clId="Web-{A254348F-6F31-4070-AC2B-B024B304109D}" dt="2019-07-05T16:58:44.112" v="233"/>
+      <pc:docMkLst>
+        <pc:docMk/>
+      </pc:docMkLst>
+      <pc:sldChg chg="modSp">
+        <pc:chgData name="Andrada Tapuc" userId="ec46341a5102a00b" providerId="Windows Live" clId="Web-{A254348F-6F31-4070-AC2B-B024B304109D}" dt="2019-07-05T16:45:41.913" v="18" actId="14100"/>
+        <pc:sldMkLst>
+          <pc:docMk/>
+          <pc:sldMk cId="277846020" sldId="257"/>
+        </pc:sldMkLst>
+        <pc:spChg chg="mod">
+          <ac:chgData name="Andrada Tapuc" userId="ec46341a5102a00b" providerId="Windows Live" clId="Web-{A254348F-6F31-4070-AC2B-B024B304109D}" dt="2019-07-05T16:42:43.280" v="4" actId="20577"/>
+          <ac:spMkLst>
+            <pc:docMk/>
+            <pc:sldMk cId="277846020" sldId="257"/>
+            <ac:spMk id="5" creationId="{63EF8591-00FA-436B-9EA4-BB875FFF5C69}"/>
+          </ac:spMkLst>
+        </pc:spChg>
+        <pc:picChg chg="mod">
+          <ac:chgData name="Andrada Tapuc" userId="ec46341a5102a00b" providerId="Windows Live" clId="Web-{A254348F-6F31-4070-AC2B-B024B304109D}" dt="2019-07-05T16:45:41.913" v="18" actId="14100"/>
+          <ac:picMkLst>
+            <pc:docMk/>
+            <pc:sldMk cId="277846020" sldId="257"/>
+            <ac:picMk id="8" creationId="{F7E84FBD-09FE-4904-BC57-BB28CEF46AFF}"/>
+          </ac:picMkLst>
+        </pc:picChg>
+      </pc:sldChg>
+      <pc:sldChg chg="del mod modShow">
+        <pc:chgData name="Andrada Tapuc" userId="ec46341a5102a00b" providerId="Windows Live" clId="Web-{A254348F-6F31-4070-AC2B-B024B304109D}" dt="2019-07-05T16:58:44.112" v="233"/>
+        <pc:sldMkLst>
+          <pc:docMk/>
+          <pc:sldMk cId="1639386380" sldId="259"/>
+        </pc:sldMkLst>
+      </pc:sldChg>
+      <pc:sldChg chg="modSp">
+        <pc:chgData name="Andrada Tapuc" userId="ec46341a5102a00b" providerId="Windows Live" clId="Web-{A254348F-6F31-4070-AC2B-B024B304109D}" dt="2019-07-05T16:48:54.264" v="63" actId="20577"/>
+        <pc:sldMkLst>
+          <pc:docMk/>
+          <pc:sldMk cId="2315358024" sldId="261"/>
+        </pc:sldMkLst>
+        <pc:spChg chg="mod">
+          <ac:chgData name="Andrada Tapuc" userId="ec46341a5102a00b" providerId="Windows Live" clId="Web-{A254348F-6F31-4070-AC2B-B024B304109D}" dt="2019-07-05T16:47:56.251" v="32" actId="20577"/>
+          <ac:spMkLst>
+            <pc:docMk/>
+            <pc:sldMk cId="2315358024" sldId="261"/>
+            <ac:spMk id="3" creationId="{48A322F3-D74A-48E1-BD87-D0AB99704D98}"/>
+          </ac:spMkLst>
+        </pc:spChg>
+        <pc:spChg chg="mod">
+          <ac:chgData name="Andrada Tapuc" userId="ec46341a5102a00b" providerId="Windows Live" clId="Web-{A254348F-6F31-4070-AC2B-B024B304109D}" dt="2019-07-05T16:48:54.264" v="63" actId="20577"/>
+          <ac:spMkLst>
+            <pc:docMk/>
+            <pc:sldMk cId="2315358024" sldId="261"/>
+            <ac:spMk id="4" creationId="{8DC7DA5D-FD4C-4B63-98C9-C46948FDDD9C}"/>
+          </ac:spMkLst>
+        </pc:spChg>
+      </pc:sldChg>
+      <pc:sldChg chg="modSp">
+        <pc:chgData name="Andrada Tapuc" userId="ec46341a5102a00b" providerId="Windows Live" clId="Web-{A254348F-6F31-4070-AC2B-B024B304109D}" dt="2019-07-05T16:58:08.426" v="232" actId="20577"/>
+        <pc:sldMkLst>
+          <pc:docMk/>
+          <pc:sldMk cId="2890292718" sldId="264"/>
+        </pc:sldMkLst>
+        <pc:spChg chg="mod">
+          <ac:chgData name="Andrada Tapuc" userId="ec46341a5102a00b" providerId="Windows Live" clId="Web-{A254348F-6F31-4070-AC2B-B024B304109D}" dt="2019-07-05T16:58:08.426" v="232" actId="20577"/>
+          <ac:spMkLst>
+            <pc:docMk/>
+            <pc:sldMk cId="2890292718" sldId="264"/>
+            <ac:spMk id="3" creationId="{18832854-5E5C-4234-B1EA-9CD51DB171FC}"/>
+          </ac:spMkLst>
+        </pc:spChg>
+      </pc:sldChg>
+      <pc:sldChg chg="addSp delSp modSp new ord">
+        <pc:chgData name="Andrada Tapuc" userId="ec46341a5102a00b" providerId="Windows Live" clId="Web-{A254348F-6F31-4070-AC2B-B024B304109D}" dt="2019-07-05T16:53:03.174" v="170" actId="14100"/>
+        <pc:sldMkLst>
+          <pc:docMk/>
+          <pc:sldMk cId="574463720" sldId="266"/>
+        </pc:sldMkLst>
+        <pc:spChg chg="mod">
+          <ac:chgData name="Andrada Tapuc" userId="ec46341a5102a00b" providerId="Windows Live" clId="Web-{A254348F-6F31-4070-AC2B-B024B304109D}" dt="2019-07-05T16:52:49.191" v="167" actId="1076"/>
+          <ac:spMkLst>
+            <pc:docMk/>
+            <pc:sldMk cId="574463720" sldId="266"/>
+            <ac:spMk id="2" creationId="{8D96F7C6-B1B9-4C33-AD8D-C9B067F906D9}"/>
+          </ac:spMkLst>
+        </pc:spChg>
+        <pc:spChg chg="del">
+          <ac:chgData name="Andrada Tapuc" userId="ec46341a5102a00b" providerId="Windows Live" clId="Web-{A254348F-6F31-4070-AC2B-B024B304109D}" dt="2019-07-05T16:50:38.509" v="129"/>
+          <ac:spMkLst>
+            <pc:docMk/>
+            <pc:sldMk cId="574463720" sldId="266"/>
+            <ac:spMk id="3" creationId="{D784BBB9-AEC8-4337-9C80-F54C91DC8E63}"/>
+          </ac:spMkLst>
+        </pc:spChg>
+        <pc:spChg chg="add del mod">
+          <ac:chgData name="Andrada Tapuc" userId="ec46341a5102a00b" providerId="Windows Live" clId="Web-{A254348F-6F31-4070-AC2B-B024B304109D}" dt="2019-07-05T16:51:15.757" v="139"/>
+          <ac:spMkLst>
+            <pc:docMk/>
+            <pc:sldMk cId="574463720" sldId="266"/>
+            <ac:spMk id="6" creationId="{0B02EA31-9E70-429C-BAC0-C584DE0774C5}"/>
+          </ac:spMkLst>
+        </pc:spChg>
+        <pc:picChg chg="add mod ord">
+          <ac:chgData name="Andrada Tapuc" userId="ec46341a5102a00b" providerId="Windows Live" clId="Web-{A254348F-6F31-4070-AC2B-B024B304109D}" dt="2019-07-05T16:53:03.174" v="170" actId="14100"/>
+          <ac:picMkLst>
+            <pc:docMk/>
+            <pc:sldMk cId="574463720" sldId="266"/>
+            <ac:picMk id="4" creationId="{D5B7CA54-900D-48A2-8627-7BEA9C29C667}"/>
+          </ac:picMkLst>
+        </pc:picChg>
+      </pc:sldChg>
+    </pc:docChg>
+  </pc:docChgLst>
+  <pc:docChgLst>
+    <pc:chgData name="Andrada Tapuc" userId="ec46341a5102a00b" providerId="Windows Live" clId="Web-{B1374520-E81A-48DB-AC22-65BF9588D403}"/>
+    <pc:docChg chg="addSld modSld sldOrd">
+      <pc:chgData name="Andrada Tapuc" userId="ec46341a5102a00b" providerId="Windows Live" clId="Web-{B1374520-E81A-48DB-AC22-65BF9588D403}" dt="2019-06-27T12:47:04.905" v="1730" actId="20577"/>
+      <pc:docMkLst>
+        <pc:docMk/>
+      </pc:docMkLst>
+      <pc:sldChg chg="modSp">
+        <pc:chgData name="Andrada Tapuc" userId="ec46341a5102a00b" providerId="Windows Live" clId="Web-{B1374520-E81A-48DB-AC22-65BF9588D403}" dt="2019-06-27T12:46:17.921" v="1725" actId="20577"/>
+        <pc:sldMkLst>
+          <pc:docMk/>
+          <pc:sldMk cId="3601082625" sldId="256"/>
+        </pc:sldMkLst>
+        <pc:spChg chg="mod">
+          <ac:chgData name="Andrada Tapuc" userId="ec46341a5102a00b" providerId="Windows Live" clId="Web-{B1374520-E81A-48DB-AC22-65BF9588D403}" dt="2019-06-27T12:25:52.329" v="1010" actId="20577"/>
+          <ac:spMkLst>
+            <pc:docMk/>
+            <pc:sldMk cId="3601082625" sldId="256"/>
+            <ac:spMk id="2" creationId="{00000000-0000-0000-0000-000000000000}"/>
+          </ac:spMkLst>
+        </pc:spChg>
+        <pc:spChg chg="mod">
+          <ac:chgData name="Andrada Tapuc" userId="ec46341a5102a00b" providerId="Windows Live" clId="Web-{B1374520-E81A-48DB-AC22-65BF9588D403}" dt="2019-06-27T12:46:17.921" v="1725" actId="20577"/>
+          <ac:spMkLst>
+            <pc:docMk/>
+            <pc:sldMk cId="3601082625" sldId="256"/>
+            <ac:spMk id="3" creationId="{00000000-0000-0000-0000-000000000000}"/>
+          </ac:spMkLst>
+        </pc:spChg>
+        <pc:picChg chg="mod">
+          <ac:chgData name="Andrada Tapuc" userId="ec46341a5102a00b" providerId="Windows Live" clId="Web-{B1374520-E81A-48DB-AC22-65BF9588D403}" dt="2019-06-27T12:09:01.238" v="262" actId="1076"/>
+          <ac:picMkLst>
+            <pc:docMk/>
+            <pc:sldMk cId="3601082625" sldId="256"/>
+            <ac:picMk id="4" creationId="{7D5DD912-896A-43EB-A591-1FEA0F0F145B}"/>
+          </ac:picMkLst>
+        </pc:picChg>
+      </pc:sldChg>
+      <pc:sldChg chg="addSp delSp modSp mod modClrScheme chgLayout">
+        <pc:chgData name="Andrada Tapuc" userId="ec46341a5102a00b" providerId="Windows Live" clId="Web-{B1374520-E81A-48DB-AC22-65BF9588D403}" dt="2019-06-27T12:26:02.782" v="1015" actId="20577"/>
+        <pc:sldMkLst>
+          <pc:docMk/>
+          <pc:sldMk cId="277846020" sldId="257"/>
+        </pc:sldMkLst>
+        <pc:spChg chg="mod ord">
+          <ac:chgData name="Andrada Tapuc" userId="ec46341a5102a00b" providerId="Windows Live" clId="Web-{B1374520-E81A-48DB-AC22-65BF9588D403}" dt="2019-06-27T12:26:02.782" v="1015" actId="20577"/>
+          <ac:spMkLst>
+            <pc:docMk/>
+            <pc:sldMk cId="277846020" sldId="257"/>
+            <ac:spMk id="2" creationId="{6456E94F-57A3-4D16-9F34-DA76B71475D8}"/>
+          </ac:spMkLst>
+        </pc:spChg>
+        <pc:spChg chg="mod ord">
+          <ac:chgData name="Andrada Tapuc" userId="ec46341a5102a00b" providerId="Windows Live" clId="Web-{B1374520-E81A-48DB-AC22-65BF9588D403}" dt="2019-06-27T12:05:05.631" v="217" actId="14100"/>
+          <ac:spMkLst>
+            <pc:docMk/>
+            <pc:sldMk cId="277846020" sldId="257"/>
+            <ac:spMk id="3" creationId="{AE059A6F-B0FF-4806-B601-6EAA65C176C1}"/>
+          </ac:spMkLst>
+        </pc:spChg>
+        <pc:spChg chg="add del mod">
+          <ac:chgData name="Andrada Tapuc" userId="ec46341a5102a00b" providerId="Windows Live" clId="Web-{B1374520-E81A-48DB-AC22-65BF9588D403}" dt="2019-06-27T11:58:59.946" v="6"/>
+          <ac:spMkLst>
+            <pc:docMk/>
+            <pc:sldMk cId="277846020" sldId="257"/>
+            <ac:spMk id="4" creationId="{A03B037C-B316-4E15-B02E-FCA07E8EE7F8}"/>
+          </ac:spMkLst>
+        </pc:spChg>
+        <pc:spChg chg="add mod ord">
+          <ac:chgData name="Andrada Tapuc" userId="ec46341a5102a00b" providerId="Windows Live" clId="Web-{B1374520-E81A-48DB-AC22-65BF9588D403}" dt="2019-06-27T12:06:45.552" v="225" actId="20577"/>
+          <ac:spMkLst>
+            <pc:docMk/>
+            <pc:sldMk cId="277846020" sldId="257"/>
+            <ac:spMk id="5" creationId="{63EF8591-00FA-436B-9EA4-BB875FFF5C69}"/>
+          </ac:spMkLst>
+        </pc:spChg>
+        <pc:picChg chg="add mod">
+          <ac:chgData name="Andrada Tapuc" userId="ec46341a5102a00b" providerId="Windows Live" clId="Web-{B1374520-E81A-48DB-AC22-65BF9588D403}" dt="2019-06-27T12:04:59.193" v="216" actId="1076"/>
+          <ac:picMkLst>
+            <pc:docMk/>
+            <pc:sldMk cId="277846020" sldId="257"/>
+            <ac:picMk id="6" creationId="{56C65991-E050-4FAB-8761-384D7084C1D0}"/>
+          </ac:picMkLst>
+        </pc:picChg>
+        <pc:picChg chg="add mod">
+          <ac:chgData name="Andrada Tapuc" userId="ec46341a5102a00b" providerId="Windows Live" clId="Web-{B1374520-E81A-48DB-AC22-65BF9588D403}" dt="2019-06-27T12:07:01.489" v="231" actId="1076"/>
+          <ac:picMkLst>
+            <pc:docMk/>
+            <pc:sldMk cId="277846020" sldId="257"/>
+            <ac:picMk id="8" creationId="{F7E84FBD-09FE-4904-BC57-BB28CEF46AFF}"/>
+          </ac:picMkLst>
+        </pc:picChg>
+      </pc:sldChg>
+      <pc:sldChg chg="modSp new">
+        <pc:chgData name="Andrada Tapuc" userId="ec46341a5102a00b" providerId="Windows Live" clId="Web-{B1374520-E81A-48DB-AC22-65BF9588D403}" dt="2019-06-27T12:29:00.141" v="1047" actId="20577"/>
+        <pc:sldMkLst>
+          <pc:docMk/>
+          <pc:sldMk cId="1877155490" sldId="258"/>
+        </pc:sldMkLst>
+        <pc:spChg chg="mod">
+          <ac:chgData name="Andrada Tapuc" userId="ec46341a5102a00b" providerId="Windows Live" clId="Web-{B1374520-E81A-48DB-AC22-65BF9588D403}" dt="2019-06-27T12:29:00.141" v="1047" actId="20577"/>
+          <ac:spMkLst>
+            <pc:docMk/>
+            <pc:sldMk cId="1877155490" sldId="258"/>
+            <ac:spMk id="2" creationId="{68ECFCDC-470B-4CC8-A6D4-4A8AE66DD4A1}"/>
+          </ac:spMkLst>
+        </pc:spChg>
+        <pc:spChg chg="mod">
+          <ac:chgData name="Andrada Tapuc" userId="ec46341a5102a00b" providerId="Windows Live" clId="Web-{B1374520-E81A-48DB-AC22-65BF9588D403}" dt="2019-06-27T12:28:52.313" v="1044" actId="20577"/>
+          <ac:spMkLst>
+            <pc:docMk/>
+            <pc:sldMk cId="1877155490" sldId="258"/>
+            <ac:spMk id="3" creationId="{195AF50C-8B7F-4C9B-9875-6BF49BC98F84}"/>
+          </ac:spMkLst>
+        </pc:spChg>
+      </pc:sldChg>
+      <pc:sldChg chg="addSp modSp new mod setBg">
+        <pc:chgData name="Andrada Tapuc" userId="ec46341a5102a00b" providerId="Windows Live" clId="Web-{B1374520-E81A-48DB-AC22-65BF9588D403}" dt="2019-06-27T12:47:01.609" v="1728" actId="20577"/>
+        <pc:sldMkLst>
+          <pc:docMk/>
+          <pc:sldMk cId="1639386380" sldId="259"/>
+        </pc:sldMkLst>
+        <pc:spChg chg="mod">
+          <ac:chgData name="Andrada Tapuc" userId="ec46341a5102a00b" providerId="Windows Live" clId="Web-{B1374520-E81A-48DB-AC22-65BF9588D403}" dt="2019-06-27T12:27:39.891" v="1021"/>
+          <ac:spMkLst>
+            <pc:docMk/>
+            <pc:sldMk cId="1639386380" sldId="259"/>
+            <ac:spMk id="2" creationId="{AD0A38E0-63EF-4AB4-B2F6-3F26B6CFDED2}"/>
+          </ac:spMkLst>
+        </pc:spChg>
+        <pc:spChg chg="mod">
+          <ac:chgData name="Andrada Tapuc" userId="ec46341a5102a00b" providerId="Windows Live" clId="Web-{B1374520-E81A-48DB-AC22-65BF9588D403}" dt="2019-06-27T12:47:01.609" v="1728" actId="20577"/>
+          <ac:spMkLst>
+            <pc:docMk/>
+            <pc:sldMk cId="1639386380" sldId="259"/>
+            <ac:spMk id="3" creationId="{B43BAC32-4FE9-4CDD-AF78-322BD9F2AA8C}"/>
+          </ac:spMkLst>
+        </pc:spChg>
+        <pc:spChg chg="add">
+          <ac:chgData name="Andrada Tapuc" userId="ec46341a5102a00b" providerId="Windows Live" clId="Web-{B1374520-E81A-48DB-AC22-65BF9588D403}" dt="2019-06-27T12:27:39.891" v="1021"/>
+          <ac:spMkLst>
+            <pc:docMk/>
+            <pc:sldMk cId="1639386380" sldId="259"/>
+            <ac:spMk id="9" creationId="{B9F89C22-0475-4427-B7C8-0269AD40E3EC}"/>
+          </ac:spMkLst>
+        </pc:spChg>
+        <pc:picChg chg="add mod">
+          <ac:chgData name="Andrada Tapuc" userId="ec46341a5102a00b" providerId="Windows Live" clId="Web-{B1374520-E81A-48DB-AC22-65BF9588D403}" dt="2019-06-27T12:28:23.063" v="1036" actId="1076"/>
+          <ac:picMkLst>
+            <pc:docMk/>
+            <pc:sldMk cId="1639386380" sldId="259"/>
+            <ac:picMk id="4" creationId="{8D7318BA-3ED6-4B20-9BCC-9E7F337D7E99}"/>
+          </ac:picMkLst>
+        </pc:picChg>
+      </pc:sldChg>
+      <pc:sldChg chg="addSp modSp new">
+        <pc:chgData name="Andrada Tapuc" userId="ec46341a5102a00b" providerId="Windows Live" clId="Web-{B1374520-E81A-48DB-AC22-65BF9588D403}" dt="2019-06-27T12:34:33.266" v="1146" actId="20577"/>
+        <pc:sldMkLst>
+          <pc:docMk/>
+          <pc:sldMk cId="10399009" sldId="260"/>
+        </pc:sldMkLst>
+        <pc:spChg chg="mod">
+          <ac:chgData name="Andrada Tapuc" userId="ec46341a5102a00b" providerId="Windows Live" clId="Web-{B1374520-E81A-48DB-AC22-65BF9588D403}" dt="2019-06-27T12:28:32.547" v="1037" actId="20577"/>
+          <ac:spMkLst>
+            <pc:docMk/>
+            <pc:sldMk cId="10399009" sldId="260"/>
+            <ac:spMk id="2" creationId="{A6108B9C-C864-4F60-9037-643EAB0D6A4E}"/>
+          </ac:spMkLst>
+        </pc:spChg>
+        <pc:spChg chg="mod">
+          <ac:chgData name="Andrada Tapuc" userId="ec46341a5102a00b" providerId="Windows Live" clId="Web-{B1374520-E81A-48DB-AC22-65BF9588D403}" dt="2019-06-27T12:34:33.266" v="1146" actId="20577"/>
+          <ac:spMkLst>
+            <pc:docMk/>
+            <pc:sldMk cId="10399009" sldId="260"/>
+            <ac:spMk id="3" creationId="{4448C676-6B2D-4C23-9DDC-F7C701D8B3EA}"/>
+          </ac:spMkLst>
+        </pc:spChg>
+        <pc:spChg chg="add mod">
+          <ac:chgData name="Andrada Tapuc" userId="ec46341a5102a00b" providerId="Windows Live" clId="Web-{B1374520-E81A-48DB-AC22-65BF9588D403}" dt="2019-06-27T12:33:44.813" v="1121" actId="1076"/>
+          <ac:spMkLst>
+            <pc:docMk/>
+            <pc:sldMk cId="10399009" sldId="260"/>
+            <ac:spMk id="4" creationId="{8F1F79B6-AEF0-4EC7-BCA6-69A051E3100D}"/>
+          </ac:spMkLst>
+        </pc:spChg>
+        <pc:spChg chg="add mod">
+          <ac:chgData name="Andrada Tapuc" userId="ec46341a5102a00b" providerId="Windows Live" clId="Web-{B1374520-E81A-48DB-AC22-65BF9588D403}" dt="2019-06-27T12:33:47.813" v="1122" actId="1076"/>
+          <ac:spMkLst>
+            <pc:docMk/>
+            <pc:sldMk cId="10399009" sldId="260"/>
+            <ac:spMk id="5" creationId="{4560F2D0-A34F-4311-93D8-1B535E5EAED3}"/>
+          </ac:spMkLst>
+        </pc:spChg>
+        <pc:spChg chg="add mod">
+          <ac:chgData name="Andrada Tapuc" userId="ec46341a5102a00b" providerId="Windows Live" clId="Web-{B1374520-E81A-48DB-AC22-65BF9588D403}" dt="2019-06-27T12:34:25.735" v="1143" actId="1076"/>
+          <ac:spMkLst>
+            <pc:docMk/>
+            <pc:sldMk cId="10399009" sldId="260"/>
+            <ac:spMk id="6" creationId="{3D5ADD8F-494A-442F-88AE-EE69035182CB}"/>
+          </ac:spMkLst>
+        </pc:spChg>
+      </pc:sldChg>
+      <pc:sldChg chg="addSp modSp new mod ord modClrScheme chgLayout">
+        <pc:chgData name="Andrada Tapuc" userId="ec46341a5102a00b" providerId="Windows Live" clId="Web-{B1374520-E81A-48DB-AC22-65BF9588D403}" dt="2019-06-27T12:41:41.890" v="1443" actId="20577"/>
+        <pc:sldMkLst>
+          <pc:docMk/>
+          <pc:sldMk cId="2315358024" sldId="261"/>
+        </pc:sldMkLst>
+        <pc:spChg chg="mod ord">
+          <ac:chgData name="Andrada Tapuc" userId="ec46341a5102a00b" providerId="Windows Live" clId="Web-{B1374520-E81A-48DB-AC22-65BF9588D403}" dt="2019-06-27T12:37:12.641" v="1253"/>
+          <ac:spMkLst>
+            <pc:docMk/>
+            <pc:sldMk cId="2315358024" sldId="261"/>
+            <ac:spMk id="2" creationId="{7A90B968-EAD8-412C-A3C9-56DB4617D970}"/>
+          </ac:spMkLst>
+        </pc:spChg>
+        <pc:spChg chg="mod ord">
+          <ac:chgData name="Andrada Tapuc" userId="ec46341a5102a00b" providerId="Windows Live" clId="Web-{B1374520-E81A-48DB-AC22-65BF9588D403}" dt="2019-06-27T12:37:12.641" v="1253"/>
+          <ac:spMkLst>
+            <pc:docMk/>
+            <pc:sldMk cId="2315358024" sldId="261"/>
+            <ac:spMk id="3" creationId="{48A322F3-D74A-48E1-BD87-D0AB99704D98}"/>
+          </ac:spMkLst>
+        </pc:spChg>
+        <pc:spChg chg="add mod ord">
+          <ac:chgData name="Andrada Tapuc" userId="ec46341a5102a00b" providerId="Windows Live" clId="Web-{B1374520-E81A-48DB-AC22-65BF9588D403}" dt="2019-06-27T12:41:41.890" v="1443" actId="20577"/>
+          <ac:spMkLst>
+            <pc:docMk/>
+            <pc:sldMk cId="2315358024" sldId="261"/>
+            <ac:spMk id="4" creationId="{8DC7DA5D-FD4C-4B63-98C9-C46948FDDD9C}"/>
+          </ac:spMkLst>
+        </pc:spChg>
+      </pc:sldChg>
+      <pc:sldChg chg="modSp new">
+        <pc:chgData name="Andrada Tapuc" userId="ec46341a5102a00b" providerId="Windows Live" clId="Web-{B1374520-E81A-48DB-AC22-65BF9588D403}" dt="2019-06-27T12:25:33.329" v="1002" actId="20577"/>
+        <pc:sldMkLst>
+          <pc:docMk/>
+          <pc:sldMk cId="1097962073" sldId="262"/>
+        </pc:sldMkLst>
+        <pc:spChg chg="mod">
+          <ac:chgData name="Andrada Tapuc" userId="ec46341a5102a00b" providerId="Windows Live" clId="Web-{B1374520-E81A-48DB-AC22-65BF9588D403}" dt="2019-06-27T12:10:40.424" v="321" actId="20577"/>
+          <ac:spMkLst>
+            <pc:docMk/>
+            <pc:sldMk cId="1097962073" sldId="262"/>
+            <ac:spMk id="2" creationId="{1D3FF07C-F0DD-46D2-A3EC-7C81D75E7162}"/>
+          </ac:spMkLst>
+        </pc:spChg>
+        <pc:spChg chg="mod">
+          <ac:chgData name="Andrada Tapuc" userId="ec46341a5102a00b" providerId="Windows Live" clId="Web-{B1374520-E81A-48DB-AC22-65BF9588D403}" dt="2019-06-27T12:25:33.329" v="1002" actId="20577"/>
+          <ac:spMkLst>
+            <pc:docMk/>
+            <pc:sldMk cId="1097962073" sldId="262"/>
+            <ac:spMk id="3" creationId="{2D6A6FB3-1218-4F27-BC43-331A287DDC2A}"/>
+          </ac:spMkLst>
+        </pc:spChg>
+      </pc:sldChg>
+      <pc:sldChg chg="addSp delSp modSp new mod modClrScheme chgLayout">
+        <pc:chgData name="Andrada Tapuc" userId="ec46341a5102a00b" providerId="Windows Live" clId="Web-{B1374520-E81A-48DB-AC22-65BF9588D403}" dt="2019-06-27T12:29:12.454" v="1053" actId="20577"/>
+        <pc:sldMkLst>
+          <pc:docMk/>
+          <pc:sldMk cId="654135505" sldId="263"/>
+        </pc:sldMkLst>
+        <pc:spChg chg="mod ord">
+          <ac:chgData name="Andrada Tapuc" userId="ec46341a5102a00b" providerId="Windows Live" clId="Web-{B1374520-E81A-48DB-AC22-65BF9588D403}" dt="2019-06-27T12:29:12.454" v="1053" actId="20577"/>
+          <ac:spMkLst>
+            <pc:docMk/>
+            <pc:sldMk cId="654135505" sldId="263"/>
+            <ac:spMk id="2" creationId="{C2505E27-E054-470D-984D-67C3984DD2CE}"/>
+          </ac:spMkLst>
+        </pc:spChg>
+        <pc:spChg chg="mod ord">
+          <ac:chgData name="Andrada Tapuc" userId="ec46341a5102a00b" providerId="Windows Live" clId="Web-{B1374520-E81A-48DB-AC22-65BF9588D403}" dt="2019-06-27T12:12:21.845" v="328" actId="14100"/>
+          <ac:spMkLst>
+            <pc:docMk/>
+            <pc:sldMk cId="654135505" sldId="263"/>
+            <ac:spMk id="3" creationId="{8E6FFCB9-F30A-4844-9590-F3BF703D9284}"/>
+          </ac:spMkLst>
+        </pc:spChg>
+        <pc:spChg chg="add del mod ord">
+          <ac:chgData name="Andrada Tapuc" userId="ec46341a5102a00b" providerId="Windows Live" clId="Web-{B1374520-E81A-48DB-AC22-65BF9588D403}" dt="2019-06-27T12:12:12.908" v="327"/>
+          <ac:spMkLst>
+            <pc:docMk/>
+            <pc:sldMk cId="654135505" sldId="263"/>
+            <ac:spMk id="4" creationId="{6FFB6F7F-5E50-4B4E-B7EB-BDC42B2153FD}"/>
+          </ac:spMkLst>
+        </pc:spChg>
+      </pc:sldChg>
+      <pc:sldChg chg="modSp new">
+        <pc:chgData name="Andrada Tapuc" userId="ec46341a5102a00b" providerId="Windows Live" clId="Web-{B1374520-E81A-48DB-AC22-65BF9588D403}" dt="2019-06-27T12:44:58.421" v="1710" actId="20577"/>
+        <pc:sldMkLst>
+          <pc:docMk/>
+          <pc:sldMk cId="2890292718" sldId="264"/>
+        </pc:sldMkLst>
+        <pc:spChg chg="mod">
+          <ac:chgData name="Andrada Tapuc" userId="ec46341a5102a00b" providerId="Windows Live" clId="Web-{B1374520-E81A-48DB-AC22-65BF9588D403}" dt="2019-06-27T12:29:05.688" v="1050" actId="20577"/>
+          <ac:spMkLst>
+            <pc:docMk/>
+            <pc:sldMk cId="2890292718" sldId="264"/>
+            <ac:spMk id="2" creationId="{E00F41FF-90F6-4AAD-AC39-42D711E335BE}"/>
+          </ac:spMkLst>
+        </pc:spChg>
+        <pc:spChg chg="mod">
+          <ac:chgData name="Andrada Tapuc" userId="ec46341a5102a00b" providerId="Windows Live" clId="Web-{B1374520-E81A-48DB-AC22-65BF9588D403}" dt="2019-06-27T12:44:58.421" v="1710" actId="20577"/>
+          <ac:spMkLst>
+            <pc:docMk/>
+            <pc:sldMk cId="2890292718" sldId="264"/>
+            <ac:spMk id="3" creationId="{18832854-5E5C-4234-B1EA-9CD51DB171FC}"/>
+          </ac:spMkLst>
+        </pc:spChg>
+      </pc:sldChg>
+      <pc:sldChg chg="delSp modSp new">
+        <pc:chgData name="Andrada Tapuc" userId="ec46341a5102a00b" providerId="Windows Live" clId="Web-{B1374520-E81A-48DB-AC22-65BF9588D403}" dt="2019-06-27T12:43:38.140" v="1608" actId="1076"/>
+        <pc:sldMkLst>
+          <pc:docMk/>
+          <pc:sldMk cId="3026395554" sldId="265"/>
+        </pc:sldMkLst>
+        <pc:spChg chg="mod">
+          <ac:chgData name="Andrada Tapuc" userId="ec46341a5102a00b" providerId="Windows Live" clId="Web-{B1374520-E81A-48DB-AC22-65BF9588D403}" dt="2019-06-27T12:43:38.140" v="1608" actId="1076"/>
+          <ac:spMkLst>
+            <pc:docMk/>
+            <pc:sldMk cId="3026395554" sldId="265"/>
+            <ac:spMk id="2" creationId="{331254F5-DC29-49F0-99FB-E2865430522E}"/>
+          </ac:spMkLst>
+        </pc:spChg>
+        <pc:spChg chg="del">
+          <ac:chgData name="Andrada Tapuc" userId="ec46341a5102a00b" providerId="Windows Live" clId="Web-{B1374520-E81A-48DB-AC22-65BF9588D403}" dt="2019-06-27T12:43:33.921" v="1607"/>
+          <ac:spMkLst>
+            <pc:docMk/>
+            <pc:sldMk cId="3026395554" sldId="265"/>
+            <ac:spMk id="3" creationId="{33918A72-B2DF-435C-B731-F3F09A0EF060}"/>
+          </ac:spMkLst>
+        </pc:spChg>
+      </pc:sldChg>
+    </pc:docChg>
+  </pc:docChgLst>
+  <pc:docChgLst>
+    <pc:chgData name="Andrada Tapuc" userId="ec46341a5102a00b" providerId="Windows Live" clId="Web-{F4ABF732-71F9-4EF3-BF4E-73FB3CF84D7C}"/>
+    <pc:docChg chg="modSld">
+      <pc:chgData name="Andrada Tapuc" userId="ec46341a5102a00b" providerId="Windows Live" clId="Web-{F4ABF732-71F9-4EF3-BF4E-73FB3CF84D7C}" dt="2019-07-05T21:33:34.014" v="24" actId="20577"/>
+      <pc:docMkLst>
+        <pc:docMk/>
+      </pc:docMkLst>
+      <pc:sldChg chg="delSp modSp">
+        <pc:chgData name="Andrada Tapuc" userId="ec46341a5102a00b" providerId="Windows Live" clId="Web-{F4ABF732-71F9-4EF3-BF4E-73FB3CF84D7C}" dt="2019-07-05T21:33:33.748" v="22" actId="20577"/>
+        <pc:sldMkLst>
+          <pc:docMk/>
+          <pc:sldMk cId="654135505" sldId="263"/>
+        </pc:sldMkLst>
+        <pc:spChg chg="mod">
+          <ac:chgData name="Andrada Tapuc" userId="ec46341a5102a00b" providerId="Windows Live" clId="Web-{F4ABF732-71F9-4EF3-BF4E-73FB3CF84D7C}" dt="2019-07-05T21:33:33.748" v="22" actId="20577"/>
+          <ac:spMkLst>
+            <pc:docMk/>
+            <pc:sldMk cId="654135505" sldId="263"/>
+            <ac:spMk id="2" creationId="{C2505E27-E054-470D-984D-67C3984DD2CE}"/>
+          </ac:spMkLst>
+        </pc:spChg>
+        <pc:spChg chg="del mod">
+          <ac:chgData name="Andrada Tapuc" userId="ec46341a5102a00b" providerId="Windows Live" clId="Web-{F4ABF732-71F9-4EF3-BF4E-73FB3CF84D7C}" dt="2019-07-05T21:33:05.249" v="8"/>
+          <ac:spMkLst>
+            <pc:docMk/>
+            <pc:sldMk cId="654135505" sldId="263"/>
+            <ac:spMk id="3" creationId="{8E6FFCB9-F30A-4844-9590-F3BF703D9284}"/>
+          </ac:spMkLst>
+        </pc:spChg>
+      </pc:sldChg>
+    </pc:docChg>
+  </pc:docChgLst>
+</pc:chgInfo>
 </file>
 
 <file path=ppt/slideLayouts/slideLayout1.xml><?xml version="1.0" encoding="utf-8"?>
@@ -299,7 +923,7 @@
             <a:fld id="{87DE6118-2437-4B30-8E3C-4D2BE6020583}" type="datetimeFigureOut">
               <a:rPr lang="en-US" dirty="0"/>
               <a:pPr/>
-              <a:t>6/27/2019</a:t>
+              <a:t>7/5/2019</a:t>
             </a:fld>
             <a:endParaRPr lang="en-US" dirty="0"/>
           </a:p>
@@ -625,7 +1249,7 @@
           <a:p>
             <a:fld id="{87DE6118-2437-4B30-8E3C-4D2BE6020583}" type="datetimeFigureOut">
               <a:rPr lang="en-US" dirty="0"/>
-              <a:t>6/27/2019</a:t>
+              <a:t>7/5/2019</a:t>
             </a:fld>
             <a:endParaRPr lang="en-US" dirty="0"/>
           </a:p>
@@ -800,7 +1424,7 @@
           <a:p>
             <a:fld id="{87DE6118-2437-4B30-8E3C-4D2BE6020583}" type="datetimeFigureOut">
               <a:rPr lang="en-US" dirty="0"/>
-              <a:t>6/27/2019</a:t>
+              <a:t>7/5/2019</a:t>
             </a:fld>
             <a:endParaRPr lang="en-US" dirty="0"/>
           </a:p>
@@ -965,7 +1589,7 @@
           <a:p>
             <a:fld id="{87DE6118-2437-4B30-8E3C-4D2BE6020583}" type="datetimeFigureOut">
               <a:rPr lang="en-US" dirty="0"/>
-              <a:t>6/27/2019</a:t>
+              <a:t>7/5/2019</a:t>
             </a:fld>
             <a:endParaRPr lang="en-US" dirty="0"/>
           </a:p>
@@ -1238,7 +1862,7 @@
             <a:fld id="{87DE6118-2437-4B30-8E3C-4D2BE6020583}" type="datetimeFigureOut">
               <a:rPr lang="en-US" dirty="0"/>
               <a:pPr/>
-              <a:t>6/27/2019</a:t>
+              <a:t>7/5/2019</a:t>
             </a:fld>
             <a:endParaRPr lang="en-US" dirty="0"/>
           </a:p>
@@ -1628,7 +2252,7 @@
           <a:p>
             <a:fld id="{87DE6118-2437-4B30-8E3C-4D2BE6020583}" type="datetimeFigureOut">
               <a:rPr lang="en-US" dirty="0"/>
-              <a:t>6/27/2019</a:t>
+              <a:t>7/5/2019</a:t>
             </a:fld>
             <a:endParaRPr lang="en-US" dirty="0"/>
           </a:p>
@@ -2100,7 +2724,7 @@
           <a:p>
             <a:fld id="{87DE6118-2437-4B30-8E3C-4D2BE6020583}" type="datetimeFigureOut">
               <a:rPr lang="en-US" dirty="0"/>
-              <a:t>6/27/2019</a:t>
+              <a:t>7/5/2019</a:t>
             </a:fld>
             <a:endParaRPr lang="en-US" dirty="0"/>
           </a:p>
@@ -2213,7 +2837,7 @@
           <a:p>
             <a:fld id="{87DE6118-2437-4B30-8E3C-4D2BE6020583}" type="datetimeFigureOut">
               <a:rPr lang="en-US" dirty="0"/>
-              <a:t>6/27/2019</a:t>
+              <a:t>7/5/2019</a:t>
             </a:fld>
             <a:endParaRPr lang="en-US" dirty="0"/>
           </a:p>
@@ -2303,7 +2927,7 @@
           <a:p>
             <a:fld id="{87DE6118-2437-4B30-8E3C-4D2BE6020583}" type="datetimeFigureOut">
               <a:rPr lang="en-US" dirty="0"/>
-              <a:t>6/27/2019</a:t>
+              <a:t>7/5/2019</a:t>
             </a:fld>
             <a:endParaRPr lang="en-US" dirty="0"/>
           </a:p>
@@ -2645,7 +3269,7 @@
             <a:fld id="{87DE6118-2437-4B30-8E3C-4D2BE6020583}" type="datetimeFigureOut">
               <a:rPr lang="en-US" dirty="0"/>
               <a:pPr/>
-              <a:t>6/27/2019</a:t>
+              <a:t>7/5/2019</a:t>
             </a:fld>
             <a:endParaRPr lang="en-US" dirty="0"/>
           </a:p>
@@ -3030,7 +3654,7 @@
             <a:fld id="{87DE6118-2437-4B30-8E3C-4D2BE6020583}" type="datetimeFigureOut">
               <a:rPr lang="en-US" dirty="0"/>
               <a:pPr/>
-              <a:t>6/27/2019</a:t>
+              <a:t>7/5/2019</a:t>
             </a:fld>
             <a:endParaRPr lang="en-US" dirty="0"/>
           </a:p>
@@ -3305,7 +3929,7 @@
             <a:fld id="{87DE6118-2437-4B30-8E3C-4D2BE6020583}" type="datetimeFigureOut">
               <a:rPr lang="en-US" dirty="0"/>
               <a:pPr/>
-              <a:t>6/27/2019</a:t>
+              <a:t>7/5/2019</a:t>
             </a:fld>
             <a:endParaRPr lang="en-US" dirty="0"/>
           </a:p>
@@ -4210,7 +4834,7 @@
                 <a:latin typeface="Times New Roman"/>
                 <a:cs typeface="Times New Roman"/>
               </a:rPr>
-              <a:t>Eficiență și bună organizare a timpului</a:t>
+              <a:t>Eficiența și buna organizare a timpului</a:t>
             </a:r>
           </a:p>
           <a:p>
@@ -4276,8 +4900,8 @@
         </p:blipFill>
         <p:spPr>
           <a:xfrm>
-            <a:off x="7253357" y="3366052"/>
-            <a:ext cx="2919895" cy="2588591"/>
+            <a:off x="7143068" y="3356025"/>
+            <a:ext cx="3050238" cy="2458251"/>
           </a:xfrm>
           <a:prstGeom prst="rect">
             <a:avLst/>
@@ -4300,14 +4924,6 @@
 <file path=ppt/slides/slide3.xml><?xml version="1.0" encoding="utf-8"?>
 <p:sld xmlns:a="http://schemas.openxmlformats.org/drawingml/2006/main" xmlns:r="http://schemas.openxmlformats.org/officeDocument/2006/relationships" xmlns:p="http://schemas.openxmlformats.org/presentationml/2006/main">
   <p:cSld>
-    <p:bg>
-      <p:bgPr>
-        <a:solidFill>
-          <a:schemeClr val="bg2"/>
-        </a:solidFill>
-        <a:effectLst/>
-      </p:bgPr>
-    </p:bg>
     <p:spTree>
       <p:nvGrpSpPr>
         <p:cNvPr id="1" name=""/>
@@ -4327,7 +4943,7 @@
           <p:cNvPr id="2" name="Title 1">
             <a:extLst>
               <a:ext uri="{FF2B5EF4-FFF2-40B4-BE49-F238E27FC236}">
-                <a16:creationId xmlns:a16="http://schemas.microsoft.com/office/drawing/2014/main" id="{AD0A38E0-63EF-4AB4-B2F6-3F26B6CFDED2}"/>
+                <a16:creationId xmlns:a16="http://schemas.microsoft.com/office/drawing/2014/main" id="{A6108B9C-C864-4F60-9037-643EAB0D6A4E}"/>
               </a:ext>
             </a:extLst>
           </p:cNvPr>
@@ -4338,65 +4954,275 @@
             <p:ph type="title"/>
           </p:nvPr>
         </p:nvSpPr>
-        <p:spPr>
-          <a:xfrm>
-            <a:off x="1023562" y="685800"/>
-            <a:ext cx="10493524" cy="1485900"/>
-          </a:xfrm>
-        </p:spPr>
-        <p:txBody>
-          <a:bodyPr>
-            <a:normAutofit/>
-          </a:bodyPr>
+        <p:spPr/>
+        <p:txBody>
+          <a:bodyPr/>
           <a:lstStyle/>
           <a:p>
             <a:r>
-              <a:rPr lang="ro-RO" b="1" u="sng">
+              <a:rPr lang="ro-RO" sz="6000" b="1" u="sng" dirty="0">
                 <a:latin typeface="Times New Roman"/>
                 <a:cs typeface="Times New Roman"/>
               </a:rPr>
-              <a:t>Obiective inițiale</a:t>
-            </a:r>
-          </a:p>
-        </p:txBody>
-      </p:sp>
-      <p:sp>
-        <p:nvSpPr>
-          <p:cNvPr id="9" name="Rectangle 8">
+              <a:t>Aplicații similare</a:t>
+            </a:r>
+          </a:p>
+        </p:txBody>
+      </p:sp>
+      <p:sp>
+        <p:nvSpPr>
+          <p:cNvPr id="3" name="Content Placeholder 2">
             <a:extLst>
               <a:ext uri="{FF2B5EF4-FFF2-40B4-BE49-F238E27FC236}">
-                <a16:creationId xmlns:a16="http://schemas.microsoft.com/office/drawing/2014/main" id="{B9F89C22-0475-4427-B7C8-0269AD40E3EC}"/>
-              </a:ext>
-              <a:ext uri="{C183D7F6-B498-43B3-948B-1728B52AA6E4}">
-                <adec:decorative xmlns:adec="http://schemas.microsoft.com/office/drawing/2017/decorative" val="1"/>
+                <a16:creationId xmlns:a16="http://schemas.microsoft.com/office/drawing/2014/main" id="{4448C676-6B2D-4C23-9DDC-F7C701D8B3EA}"/>
               </a:ext>
             </a:extLst>
           </p:cNvPr>
           <p:cNvSpPr>
-            <a:spLocks noGrp="1" noRot="1" noChangeAspect="1" noMove="1" noResize="1" noEditPoints="1" noAdjustHandles="1" noChangeArrowheads="1" noChangeShapeType="1" noTextEdit="1"/>
-          </p:cNvSpPr>
-          <p:nvPr>
-            <p:extLst>
-              <p:ext uri="{386F3935-93C4-4BCD-93E2-E3B085C9AB24}">
-                <p16:designElem xmlns:p16="http://schemas.microsoft.com/office/powerpoint/2015/main" val="1"/>
-              </p:ext>
-            </p:extLst>
-          </p:nvPr>
+            <a:spLocks noGrp="1"/>
+          </p:cNvSpPr>
+          <p:nvPr>
+            <p:ph idx="1"/>
+          </p:nvPr>
+        </p:nvSpPr>
+        <p:spPr/>
+        <p:txBody>
+          <a:bodyPr vert="horz" lIns="91440" tIns="45720" rIns="91440" bIns="45720" rtlCol="0" anchor="t">
+            <a:noAutofit/>
+          </a:bodyPr>
+          <a:lstStyle/>
+          <a:p>
+            <a:pPr marL="383540" indent="-383540"/>
+            <a:r>
+              <a:rPr lang="ro-RO" sz="2400" b="1" dirty="0" err="1">
+                <a:latin typeface="Times New Roman"/>
+                <a:ea typeface="+mn-lt"/>
+                <a:cs typeface="+mn-lt"/>
+              </a:rPr>
+              <a:t>Daily</a:t>
+            </a:r>
+            <a:r>
+              <a:rPr lang="ro-RO" sz="2400" b="1" dirty="0">
+                <a:latin typeface="Times New Roman"/>
+                <a:ea typeface="+mn-lt"/>
+                <a:cs typeface="+mn-lt"/>
+              </a:rPr>
+              <a:t> </a:t>
+            </a:r>
+            <a:r>
+              <a:rPr lang="ro-RO" sz="2400" b="1" dirty="0" err="1">
+                <a:latin typeface="Times New Roman"/>
+                <a:ea typeface="+mn-lt"/>
+                <a:cs typeface="+mn-lt"/>
+              </a:rPr>
+              <a:t>Dress</a:t>
+            </a:r>
+            <a:r>
+              <a:rPr lang="ro-RO" sz="2400" b="1" dirty="0">
+                <a:latin typeface="Times New Roman"/>
+                <a:ea typeface="+mn-lt"/>
+                <a:cs typeface="+mn-lt"/>
+              </a:rPr>
+              <a:t> </a:t>
+            </a:r>
+            <a:r>
+              <a:rPr lang="ro-RO" sz="2400" b="1" dirty="0" err="1">
+                <a:latin typeface="Times New Roman"/>
+                <a:ea typeface="+mn-lt"/>
+                <a:cs typeface="+mn-lt"/>
+              </a:rPr>
+              <a:t>Me</a:t>
+            </a:r>
+            <a:r>
+              <a:rPr lang="ro-RO" sz="2400" b="1" dirty="0">
+                <a:latin typeface="Times New Roman"/>
+                <a:ea typeface="+mn-lt"/>
+                <a:cs typeface="+mn-lt"/>
+              </a:rPr>
+              <a:t>        </a:t>
+            </a:r>
+            <a:r>
+              <a:rPr lang="ro-RO" sz="2400" dirty="0">
+                <a:latin typeface="Times New Roman"/>
+                <a:ea typeface="+mn-lt"/>
+                <a:cs typeface="+mn-lt"/>
+              </a:rPr>
+              <a:t> </a:t>
+            </a:r>
+            <a:r>
+              <a:rPr lang="ro-RO" sz="2400" dirty="0">
+                <a:latin typeface="Times New Roman"/>
+                <a:ea typeface="+mn-lt"/>
+                <a:cs typeface="+mn-lt"/>
+                <a:hlinkClick r:id="rId2"/>
+              </a:rPr>
+              <a:t>https://dailydressme.com/</a:t>
+            </a:r>
+            <a:endParaRPr lang="ro-RO" sz="2400" dirty="0">
+              <a:latin typeface="Times New Roman"/>
+              <a:ea typeface="+mn-lt"/>
+              <a:cs typeface="+mn-lt"/>
+            </a:endParaRPr>
+          </a:p>
+          <a:p>
+            <a:pPr marL="383540" indent="-383540"/>
+            <a:endParaRPr lang="ro-RO" sz="2400" dirty="0">
+              <a:latin typeface="Times New Roman"/>
+              <a:cs typeface="Times New Roman"/>
+            </a:endParaRPr>
+          </a:p>
+          <a:p>
+            <a:pPr marL="383540" indent="-383540"/>
+            <a:r>
+              <a:rPr lang="ro-RO" sz="2400" b="1" dirty="0" err="1">
+                <a:latin typeface="Times New Roman"/>
+                <a:ea typeface="+mn-lt"/>
+                <a:cs typeface="+mn-lt"/>
+              </a:rPr>
+              <a:t>What</a:t>
+            </a:r>
+            <a:r>
+              <a:rPr lang="ro-RO" sz="2400" b="1" dirty="0">
+                <a:latin typeface="Times New Roman"/>
+                <a:ea typeface="+mn-lt"/>
+                <a:cs typeface="+mn-lt"/>
+              </a:rPr>
+              <a:t> </a:t>
+            </a:r>
+            <a:r>
+              <a:rPr lang="ro-RO" sz="2400" b="1" dirty="0" err="1">
+                <a:latin typeface="Times New Roman"/>
+                <a:ea typeface="+mn-lt"/>
+                <a:cs typeface="+mn-lt"/>
+              </a:rPr>
+              <a:t>To</a:t>
+            </a:r>
+            <a:r>
+              <a:rPr lang="ro-RO" sz="2400" b="1" dirty="0">
+                <a:latin typeface="Times New Roman"/>
+                <a:ea typeface="+mn-lt"/>
+                <a:cs typeface="+mn-lt"/>
+              </a:rPr>
+              <a:t> </a:t>
+            </a:r>
+            <a:r>
+              <a:rPr lang="ro-RO" sz="2400" b="1" dirty="0" err="1">
+                <a:latin typeface="Times New Roman"/>
+                <a:ea typeface="+mn-lt"/>
+                <a:cs typeface="+mn-lt"/>
+              </a:rPr>
+              <a:t>Wear</a:t>
+            </a:r>
+            <a:r>
+              <a:rPr lang="ro-RO" sz="2400" b="1" dirty="0">
+                <a:latin typeface="Times New Roman"/>
+                <a:ea typeface="+mn-lt"/>
+                <a:cs typeface="+mn-lt"/>
+              </a:rPr>
+              <a:t> </a:t>
+            </a:r>
+            <a:r>
+              <a:rPr lang="ro-RO" sz="2400" b="1" dirty="0" err="1">
+                <a:latin typeface="Times New Roman"/>
+                <a:ea typeface="+mn-lt"/>
+                <a:cs typeface="+mn-lt"/>
+              </a:rPr>
+              <a:t>Weather</a:t>
+            </a:r>
+            <a:r>
+              <a:rPr lang="ro-RO" sz="2400" b="1" dirty="0">
+                <a:latin typeface="Times New Roman"/>
+                <a:ea typeface="+mn-lt"/>
+                <a:cs typeface="+mn-lt"/>
+              </a:rPr>
+              <a:t>  </a:t>
+            </a:r>
+            <a:r>
+              <a:rPr lang="ro-RO" sz="2400" dirty="0">
+                <a:latin typeface="Times New Roman"/>
+                <a:ea typeface="+mn-lt"/>
+                <a:cs typeface="+mn-lt"/>
+              </a:rPr>
+              <a:t>      </a:t>
+            </a:r>
+            <a:r>
+              <a:rPr lang="ro-RO" sz="2400" dirty="0">
+                <a:latin typeface="Times New Roman"/>
+                <a:ea typeface="+mn-lt"/>
+                <a:cs typeface="+mn-lt"/>
+                <a:hlinkClick r:id="rId3"/>
+              </a:rPr>
+              <a:t>https://play.google.com/store/apps/details? id=senitexmobile.com.whattowearweather&amp;hl=en_US</a:t>
+            </a:r>
+            <a:endParaRPr lang="ro-RO" sz="2400" dirty="0">
+              <a:latin typeface="Times New Roman"/>
+              <a:ea typeface="+mn-lt"/>
+              <a:cs typeface="+mn-lt"/>
+            </a:endParaRPr>
+          </a:p>
+          <a:p>
+            <a:pPr marL="0" indent="0">
+              <a:buNone/>
+            </a:pPr>
+            <a:endParaRPr lang="ro-RO" sz="2400" dirty="0">
+              <a:latin typeface="Times New Roman"/>
+              <a:cs typeface="Times New Roman"/>
+            </a:endParaRPr>
+          </a:p>
+          <a:p>
+            <a:pPr marL="383540" indent="-383540"/>
+            <a:r>
+              <a:rPr lang="ro-RO" sz="2400" b="1" dirty="0" err="1">
+                <a:latin typeface="Times New Roman"/>
+                <a:ea typeface="+mn-lt"/>
+                <a:cs typeface="+mn-lt"/>
+              </a:rPr>
+              <a:t>Weatherproof</a:t>
+            </a:r>
+            <a:r>
+              <a:rPr lang="ro-RO" sz="2400" b="1" dirty="0">
+                <a:latin typeface="Times New Roman"/>
+                <a:ea typeface="+mn-lt"/>
+                <a:cs typeface="+mn-lt"/>
+              </a:rPr>
+              <a:t>         </a:t>
+            </a:r>
+            <a:r>
+              <a:rPr lang="ro-RO" sz="2400" dirty="0">
+                <a:latin typeface="Times New Roman"/>
+                <a:ea typeface="+mn-lt"/>
+                <a:cs typeface="+mn-lt"/>
+                <a:hlinkClick r:id="rId4"/>
+              </a:rPr>
+              <a:t>https://play.google.com/store/apps/details?id=com.changemystyle.weatherproof</a:t>
+            </a:r>
+            <a:endParaRPr lang="ro-RO" sz="2400" dirty="0">
+              <a:latin typeface="Times New Roman"/>
+              <a:cs typeface="Times New Roman"/>
+            </a:endParaRPr>
+          </a:p>
+        </p:txBody>
+      </p:sp>
+      <p:sp>
+        <p:nvSpPr>
+          <p:cNvPr id="4" name="Arrow: Right 3">
+            <a:extLst>
+              <a:ext uri="{FF2B5EF4-FFF2-40B4-BE49-F238E27FC236}">
+                <a16:creationId xmlns:a16="http://schemas.microsoft.com/office/drawing/2014/main" id="{8F1F79B6-AEF0-4EC7-BCA6-69A051E3100D}"/>
+              </a:ext>
+            </a:extLst>
+          </p:cNvPr>
+          <p:cNvSpPr/>
+          <p:nvPr/>
         </p:nvSpPr>
         <p:spPr>
           <a:xfrm>
-            <a:off x="478095" y="376"/>
-            <a:ext cx="228600" cy="6858000"/>
+            <a:off x="3994447" y="2391553"/>
+            <a:ext cx="430696" cy="298174"/>
           </a:xfrm>
-          <a:prstGeom prst="rect">
+          <a:prstGeom prst="rightArrow">
             <a:avLst/>
           </a:prstGeom>
-          <a:solidFill>
-            <a:schemeClr val="tx2"/>
-          </a:solidFill>
-          <a:ln>
-            <a:noFill/>
-          </a:ln>
         </p:spPr>
         <p:style>
           <a:lnRef idx="2">
@@ -4414,144 +5240,111 @@
             <a:schemeClr val="lt1"/>
           </a:fontRef>
         </p:style>
-      </p:sp>
-      <p:sp>
-        <p:nvSpPr>
-          <p:cNvPr id="3" name="Content Placeholder 2">
+        <p:txBody>
+          <a:bodyPr rtlCol="0" anchor="ctr"/>
+          <a:lstStyle/>
+          <a:p>
+            <a:pPr algn="ctr"/>
+            <a:endParaRPr lang="ro-RO"/>
+          </a:p>
+        </p:txBody>
+      </p:sp>
+      <p:sp>
+        <p:nvSpPr>
+          <p:cNvPr id="5" name="Arrow: Right 4">
             <a:extLst>
               <a:ext uri="{FF2B5EF4-FFF2-40B4-BE49-F238E27FC236}">
-                <a16:creationId xmlns:a16="http://schemas.microsoft.com/office/drawing/2014/main" id="{B43BAC32-4FE9-4CDD-AF78-322BD9F2AA8C}"/>
+                <a16:creationId xmlns:a16="http://schemas.microsoft.com/office/drawing/2014/main" id="{4560F2D0-A34F-4311-93D8-1B535E5EAED3}"/>
               </a:ext>
             </a:extLst>
           </p:cNvPr>
-          <p:cNvSpPr>
-            <a:spLocks noGrp="1"/>
-          </p:cNvSpPr>
-          <p:nvPr>
-            <p:ph idx="1"/>
-          </p:nvPr>
+          <p:cNvSpPr/>
+          <p:nvPr/>
         </p:nvSpPr>
         <p:spPr>
           <a:xfrm>
-            <a:off x="1023562" y="2286000"/>
-            <a:ext cx="6795219" cy="3581400"/>
+            <a:off x="5076708" y="3385466"/>
+            <a:ext cx="430696" cy="298174"/>
           </a:xfrm>
+          <a:prstGeom prst="rightArrow">
+            <a:avLst/>
+          </a:prstGeom>
         </p:spPr>
-        <p:txBody>
-          <a:bodyPr vert="horz" lIns="91440" tIns="45720" rIns="91440" bIns="45720" rtlCol="0" anchor="t">
-            <a:normAutofit/>
-          </a:bodyPr>
+        <p:style>
+          <a:lnRef idx="2">
+            <a:schemeClr val="accent1">
+              <a:shade val="50000"/>
+            </a:schemeClr>
+          </a:lnRef>
+          <a:fillRef idx="1">
+            <a:schemeClr val="accent1"/>
+          </a:fillRef>
+          <a:effectRef idx="0">
+            <a:schemeClr val="accent1"/>
+          </a:effectRef>
+          <a:fontRef idx="minor">
+            <a:schemeClr val="lt1"/>
+          </a:fontRef>
+        </p:style>
+        <p:txBody>
+          <a:bodyPr rtlCol="0" anchor="ctr"/>
           <a:lstStyle/>
           <a:p>
-            <a:pPr marL="383540" indent="-383540"/>
-            <a:r>
-              <a:rPr lang="ro-RO" sz="2400" dirty="0">
-                <a:latin typeface="Times New Roman"/>
-                <a:cs typeface="Times New Roman"/>
-              </a:rPr>
-              <a:t>Oferirea unor informații certe și corecte despre starea vremii;</a:t>
-            </a:r>
-          </a:p>
-          <a:p>
-            <a:pPr marL="0" indent="0">
-              <a:buNone/>
-            </a:pPr>
-            <a:endParaRPr lang="ro-RO" sz="2400" dirty="0">
-              <a:latin typeface="Times New Roman"/>
-              <a:cs typeface="Times New Roman"/>
-            </a:endParaRPr>
-          </a:p>
-          <a:p>
-            <a:pPr marL="383540" indent="-383540"/>
-            <a:r>
-              <a:rPr lang="ro-RO" sz="2400" dirty="0">
-                <a:latin typeface="Times New Roman"/>
-                <a:cs typeface="Times New Roman"/>
-              </a:rPr>
-              <a:t>Crearea unei aplicații maleabile și ușor de utilizat;</a:t>
-            </a:r>
-          </a:p>
-          <a:p>
-            <a:pPr marL="383540" indent="-383540"/>
-            <a:endParaRPr lang="ro-RO" sz="2400" dirty="0">
-              <a:latin typeface="Times New Roman"/>
-              <a:cs typeface="Times New Roman"/>
-            </a:endParaRPr>
-          </a:p>
-          <a:p>
-            <a:pPr marL="383540" indent="-383540"/>
-            <a:r>
-              <a:rPr lang="ro-RO" sz="2400" dirty="0">
-                <a:latin typeface="Times New Roman"/>
-                <a:cs typeface="Times New Roman"/>
-              </a:rPr>
-              <a:t>Elemente moderne și atrăgătoare pentru tineri.</a:t>
-            </a:r>
-          </a:p>
-          <a:p>
-            <a:pPr marL="383540" indent="-383540"/>
-            <a:endParaRPr lang="ro-RO" sz="2400" dirty="0">
-              <a:latin typeface="Times New Roman"/>
-              <a:cs typeface="Times New Roman"/>
-            </a:endParaRPr>
-          </a:p>
-          <a:p>
-            <a:pPr marL="383540" indent="-383540"/>
-            <a:endParaRPr lang="ro-RO" sz="2400" dirty="0">
-              <a:latin typeface="Times New Roman"/>
-              <a:cs typeface="Times New Roman"/>
-            </a:endParaRPr>
-          </a:p>
-          <a:p>
-            <a:pPr marL="383540" indent="-383540"/>
-            <a:endParaRPr lang="ro-RO" sz="2400" dirty="0">
-              <a:latin typeface="Times New Roman"/>
-              <a:cs typeface="Times New Roman"/>
-            </a:endParaRPr>
-          </a:p>
-          <a:p>
-            <a:pPr marL="383540" indent="-383540"/>
-            <a:endParaRPr lang="ro-RO" sz="2400" dirty="0">
-              <a:latin typeface="Times New Roman"/>
-              <a:cs typeface="Times New Roman"/>
-            </a:endParaRPr>
-          </a:p>
-        </p:txBody>
-      </p:sp>
-      <p:pic>
-        <p:nvPicPr>
-          <p:cNvPr id="4" name="Picture 4">
+            <a:pPr algn="ctr"/>
+            <a:endParaRPr lang="ro-RO"/>
+          </a:p>
+        </p:txBody>
+      </p:sp>
+      <p:sp>
+        <p:nvSpPr>
+          <p:cNvPr id="6" name="Arrow: Right 5">
             <a:extLst>
               <a:ext uri="{FF2B5EF4-FFF2-40B4-BE49-F238E27FC236}">
-                <a16:creationId xmlns:a16="http://schemas.microsoft.com/office/drawing/2014/main" id="{8D7318BA-3ED6-4B20-9BCC-9E7F337D7E99}"/>
+                <a16:creationId xmlns:a16="http://schemas.microsoft.com/office/drawing/2014/main" id="{3D5ADD8F-494A-442F-88AE-EE69035182CB}"/>
               </a:ext>
             </a:extLst>
           </p:cNvPr>
-          <p:cNvPicPr>
-            <a:picLocks noChangeAspect="1"/>
-          </p:cNvPicPr>
+          <p:cNvSpPr/>
           <p:nvPr/>
-        </p:nvPicPr>
-        <p:blipFill>
-          <a:blip r:embed="rId2"/>
-          <a:stretch>
-            <a:fillRect/>
-          </a:stretch>
-        </p:blipFill>
+        </p:nvSpPr>
         <p:spPr>
           <a:xfrm>
-            <a:off x="8179059" y="2372321"/>
-            <a:ext cx="2730173" cy="2725402"/>
+            <a:off x="3850881" y="4699640"/>
+            <a:ext cx="430696" cy="298174"/>
           </a:xfrm>
-          <a:prstGeom prst="rect">
+          <a:prstGeom prst="rightArrow">
             <a:avLst/>
           </a:prstGeom>
         </p:spPr>
-      </p:pic>
+        <p:style>
+          <a:lnRef idx="2">
+            <a:schemeClr val="accent1">
+              <a:shade val="50000"/>
+            </a:schemeClr>
+          </a:lnRef>
+          <a:fillRef idx="1">
+            <a:schemeClr val="accent1"/>
+          </a:fillRef>
+          <a:effectRef idx="0">
+            <a:schemeClr val="accent1"/>
+          </a:effectRef>
+          <a:fontRef idx="minor">
+            <a:schemeClr val="lt1"/>
+          </a:fontRef>
+        </p:style>
+        <p:txBody>
+          <a:bodyPr rtlCol="0" anchor="ctr"/>
+          <a:lstStyle/>
+          <a:p>
+            <a:pPr algn="ctr"/>
+            <a:endParaRPr lang="ro-RO"/>
+          </a:p>
+        </p:txBody>
+      </p:sp>
     </p:spTree>
     <p:extLst>
       <p:ext uri="{BB962C8B-B14F-4D97-AF65-F5344CB8AC3E}">
-        <p14:creationId xmlns:p14="http://schemas.microsoft.com/office/powerpoint/2010/main" val="1639386380"/>
+        <p14:creationId xmlns:p14="http://schemas.microsoft.com/office/powerpoint/2010/main" val="10399009"/>
       </p:ext>
     </p:extLst>
   </p:cSld>
@@ -4583,7 +5376,7 @@
           <p:cNvPr id="2" name="Title 1">
             <a:extLst>
               <a:ext uri="{FF2B5EF4-FFF2-40B4-BE49-F238E27FC236}">
-                <a16:creationId xmlns:a16="http://schemas.microsoft.com/office/drawing/2014/main" id="{A6108B9C-C864-4F60-9037-643EAB0D6A4E}"/>
+                <a16:creationId xmlns:a16="http://schemas.microsoft.com/office/drawing/2014/main" id="{1D3FF07C-F0DD-46D2-A3EC-7C81D75E7162}"/>
               </a:ext>
             </a:extLst>
           </p:cNvPr>
@@ -4596,16 +5389,16 @@
         </p:nvSpPr>
         <p:spPr/>
         <p:txBody>
-          <a:bodyPr/>
+          <a:bodyPr>
+            <a:normAutofit/>
+          </a:bodyPr>
           <a:lstStyle/>
           <a:p>
             <a:r>
-              <a:rPr lang="ro-RO" sz="6000" b="1" u="sng" dirty="0">
-                <a:latin typeface="Times New Roman"/>
-                <a:cs typeface="Times New Roman"/>
-              </a:rPr>
-              <a:t>Aplicații similare</a:t>
-            </a:r>
+              <a:rPr lang="ro-RO" sz="6000" b="1" u="sng" dirty="0"/>
+              <a:t>Elemente de noutate</a:t>
+            </a:r>
+            <a:endParaRPr lang="ro-RO" sz="6000" dirty="0"/>
           </a:p>
         </p:txBody>
       </p:sp>
@@ -4614,7 +5407,7 @@
           <p:cNvPr id="3" name="Content Placeholder 2">
             <a:extLst>
               <a:ext uri="{FF2B5EF4-FFF2-40B4-BE49-F238E27FC236}">
-                <a16:creationId xmlns:a16="http://schemas.microsoft.com/office/drawing/2014/main" id="{4448C676-6B2D-4C23-9DDC-F7C701D8B3EA}"/>
+                <a16:creationId xmlns:a16="http://schemas.microsoft.com/office/drawing/2014/main" id="{2D6A6FB3-1218-4F27-BC43-331A287DDC2A}"/>
               </a:ext>
             </a:extLst>
           </p:cNvPr>
@@ -4628,81 +5421,65 @@
         <p:spPr/>
         <p:txBody>
           <a:bodyPr vert="horz" lIns="91440" tIns="45720" rIns="91440" bIns="45720" rtlCol="0" anchor="t">
-            <a:noAutofit/>
+            <a:normAutofit/>
           </a:bodyPr>
           <a:lstStyle/>
           <a:p>
             <a:pPr marL="383540" indent="-383540"/>
             <a:r>
-              <a:rPr lang="ro-RO" sz="2400" b="1" dirty="0" err="1">
-                <a:latin typeface="Times New Roman"/>
-                <a:ea typeface="+mn-lt"/>
-                <a:cs typeface="+mn-lt"/>
-              </a:rPr>
-              <a:t>Daily</a:t>
-            </a:r>
-            <a:r>
-              <a:rPr lang="ro-RO" sz="2400" b="1" dirty="0">
-                <a:latin typeface="Times New Roman"/>
-                <a:ea typeface="+mn-lt"/>
-                <a:cs typeface="+mn-lt"/>
-              </a:rPr>
-              <a:t> </a:t>
-            </a:r>
-            <a:r>
-              <a:rPr lang="ro-RO" sz="2400" b="1" dirty="0" err="1">
-                <a:latin typeface="Times New Roman"/>
-                <a:ea typeface="+mn-lt"/>
-                <a:cs typeface="+mn-lt"/>
-              </a:rPr>
-              <a:t>Dress</a:t>
-            </a:r>
-            <a:r>
-              <a:rPr lang="ro-RO" sz="2400" b="1" dirty="0">
-                <a:latin typeface="Times New Roman"/>
-                <a:ea typeface="+mn-lt"/>
-                <a:cs typeface="+mn-lt"/>
-              </a:rPr>
-              <a:t> </a:t>
-            </a:r>
-            <a:r>
-              <a:rPr lang="ro-RO" sz="2400" b="1" dirty="0" err="1">
-                <a:latin typeface="Times New Roman"/>
-                <a:ea typeface="+mn-lt"/>
-                <a:cs typeface="+mn-lt"/>
-              </a:rPr>
-              <a:t>Me</a:t>
-            </a:r>
-            <a:r>
-              <a:rPr lang="ro-RO" sz="2400" b="1" dirty="0">
-                <a:latin typeface="Times New Roman"/>
-                <a:ea typeface="+mn-lt"/>
-                <a:cs typeface="+mn-lt"/>
-              </a:rPr>
-              <a:t>        </a:t>
-            </a:r>
-            <a:r>
               <a:rPr lang="ro-RO" sz="2400" dirty="0">
                 <a:latin typeface="Times New Roman"/>
-                <a:ea typeface="+mn-lt"/>
-                <a:cs typeface="+mn-lt"/>
-              </a:rPr>
-              <a:t> </a:t>
+                <a:cs typeface="Times New Roman"/>
+              </a:rPr>
+              <a:t>Folosirea Inteligenței Artificiale, mai exact a </a:t>
+            </a:r>
+            <a:r>
+              <a:rPr lang="ro-RO" sz="2400" err="1">
+                <a:latin typeface="Times New Roman"/>
+                <a:cs typeface="Times New Roman"/>
+              </a:rPr>
+              <a:t>Machine</a:t>
             </a:r>
             <a:r>
               <a:rPr lang="ro-RO" sz="2400" dirty="0">
                 <a:latin typeface="Times New Roman"/>
-                <a:ea typeface="+mn-lt"/>
-                <a:cs typeface="+mn-lt"/>
-                <a:hlinkClick r:id="rId2"/>
-              </a:rPr>
-              <a:t>https://dailydressme.com/</a:t>
-            </a:r>
+                <a:cs typeface="Times New Roman"/>
+              </a:rPr>
+              <a:t> </a:t>
+            </a:r>
+            <a:r>
+              <a:rPr lang="ro-RO" sz="2400" err="1">
+                <a:latin typeface="Times New Roman"/>
+                <a:cs typeface="Times New Roman"/>
+              </a:rPr>
+              <a:t>Learning</a:t>
+            </a:r>
+            <a:r>
+              <a:rPr lang="ro-RO" sz="2400" dirty="0">
+                <a:latin typeface="Times New Roman"/>
+                <a:cs typeface="Times New Roman"/>
+              </a:rPr>
+              <a:t>-ului pentru oferirea unei preziceri corecte și folositoare;</a:t>
+            </a:r>
+          </a:p>
+          <a:p>
+            <a:pPr marL="0" indent="0">
+              <a:buNone/>
+            </a:pPr>
             <a:endParaRPr lang="ro-RO" sz="2400" dirty="0">
               <a:latin typeface="Times New Roman"/>
-              <a:ea typeface="+mn-lt"/>
-              <a:cs typeface="+mn-lt"/>
+              <a:cs typeface="Times New Roman"/>
             </a:endParaRPr>
+          </a:p>
+          <a:p>
+            <a:pPr marL="383540" indent="-383540"/>
+            <a:r>
+              <a:rPr lang="ro-RO" sz="2400" dirty="0">
+                <a:latin typeface="Times New Roman"/>
+                <a:cs typeface="Times New Roman"/>
+              </a:rPr>
+              <a:t>Trimiterea e-mail-urilor zilnice către abonați;</a:t>
+            </a:r>
           </a:p>
           <a:p>
             <a:pPr marL="383540" indent="-383540"/>
@@ -4714,277 +5491,19 @@
           <a:p>
             <a:pPr marL="383540" indent="-383540"/>
             <a:r>
-              <a:rPr lang="ro-RO" sz="2400" b="1" dirty="0" err="1">
-                <a:latin typeface="Times New Roman"/>
-                <a:ea typeface="+mn-lt"/>
-                <a:cs typeface="+mn-lt"/>
-              </a:rPr>
-              <a:t>What</a:t>
-            </a:r>
-            <a:r>
-              <a:rPr lang="ro-RO" sz="2400" b="1" dirty="0">
-                <a:latin typeface="Times New Roman"/>
-                <a:ea typeface="+mn-lt"/>
-                <a:cs typeface="+mn-lt"/>
-              </a:rPr>
-              <a:t> </a:t>
-            </a:r>
-            <a:r>
-              <a:rPr lang="ro-RO" sz="2400" b="1" dirty="0" err="1">
-                <a:latin typeface="Times New Roman"/>
-                <a:ea typeface="+mn-lt"/>
-                <a:cs typeface="+mn-lt"/>
-              </a:rPr>
-              <a:t>To</a:t>
-            </a:r>
-            <a:r>
-              <a:rPr lang="ro-RO" sz="2400" b="1" dirty="0">
-                <a:latin typeface="Times New Roman"/>
-                <a:ea typeface="+mn-lt"/>
-                <a:cs typeface="+mn-lt"/>
-              </a:rPr>
-              <a:t> </a:t>
-            </a:r>
-            <a:r>
-              <a:rPr lang="ro-RO" sz="2400" b="1" dirty="0" err="1">
-                <a:latin typeface="Times New Roman"/>
-                <a:ea typeface="+mn-lt"/>
-                <a:cs typeface="+mn-lt"/>
-              </a:rPr>
-              <a:t>Wear</a:t>
-            </a:r>
-            <a:r>
-              <a:rPr lang="ro-RO" sz="2400" b="1" dirty="0">
-                <a:latin typeface="Times New Roman"/>
-                <a:ea typeface="+mn-lt"/>
-                <a:cs typeface="+mn-lt"/>
-              </a:rPr>
-              <a:t> </a:t>
-            </a:r>
-            <a:r>
-              <a:rPr lang="ro-RO" sz="2400" b="1" dirty="0" err="1">
-                <a:latin typeface="Times New Roman"/>
-                <a:ea typeface="+mn-lt"/>
-                <a:cs typeface="+mn-lt"/>
-              </a:rPr>
-              <a:t>Weather</a:t>
-            </a:r>
-            <a:r>
-              <a:rPr lang="ro-RO" sz="2400" b="1" dirty="0">
-                <a:latin typeface="Times New Roman"/>
-                <a:ea typeface="+mn-lt"/>
-                <a:cs typeface="+mn-lt"/>
-              </a:rPr>
-              <a:t>  </a:t>
-            </a:r>
-            <a:r>
               <a:rPr lang="ro-RO" sz="2400" dirty="0">
                 <a:latin typeface="Times New Roman"/>
-                <a:ea typeface="+mn-lt"/>
-                <a:cs typeface="+mn-lt"/>
-              </a:rPr>
-              <a:t>      </a:t>
-            </a:r>
-            <a:r>
-              <a:rPr lang="ro-RO" sz="2400" dirty="0">
-                <a:latin typeface="Times New Roman"/>
-                <a:ea typeface="+mn-lt"/>
-                <a:cs typeface="+mn-lt"/>
-                <a:hlinkClick r:id="rId3"/>
-              </a:rPr>
-              <a:t>https://play.google.com/store/apps/details? id=senitexmobile.com.whattowearweather&amp;hl=en_US</a:t>
-            </a:r>
-            <a:endParaRPr lang="ro-RO" sz="2400" dirty="0">
-              <a:latin typeface="Times New Roman"/>
-              <a:ea typeface="+mn-lt"/>
-              <a:cs typeface="+mn-lt"/>
-            </a:endParaRPr>
-          </a:p>
-          <a:p>
-            <a:pPr marL="0" indent="0">
-              <a:buNone/>
-            </a:pPr>
-            <a:endParaRPr lang="ro-RO" sz="2400" dirty="0">
-              <a:latin typeface="Times New Roman"/>
-              <a:cs typeface="Times New Roman"/>
-            </a:endParaRPr>
-          </a:p>
-          <a:p>
-            <a:pPr marL="383540" indent="-383540"/>
-            <a:r>
-              <a:rPr lang="ro-RO" sz="2400" b="1" dirty="0" err="1">
-                <a:latin typeface="Times New Roman"/>
-                <a:ea typeface="+mn-lt"/>
-                <a:cs typeface="+mn-lt"/>
-              </a:rPr>
-              <a:t>Weatherproof</a:t>
-            </a:r>
-            <a:r>
-              <a:rPr lang="ro-RO" sz="2400" b="1" dirty="0">
-                <a:latin typeface="Times New Roman"/>
-                <a:ea typeface="+mn-lt"/>
-                <a:cs typeface="+mn-lt"/>
-              </a:rPr>
-              <a:t>         </a:t>
-            </a:r>
-            <a:r>
-              <a:rPr lang="ro-RO" sz="2400" dirty="0">
-                <a:latin typeface="Times New Roman"/>
-                <a:ea typeface="+mn-lt"/>
-                <a:cs typeface="+mn-lt"/>
-                <a:hlinkClick r:id="rId4"/>
-              </a:rPr>
-              <a:t>https://play.google.com/store/apps/details?id=com.changemystyle.weatherproof</a:t>
-            </a:r>
-            <a:endParaRPr lang="ro-RO" sz="2400" dirty="0">
-              <a:latin typeface="Times New Roman"/>
-              <a:cs typeface="Times New Roman"/>
-            </a:endParaRPr>
-          </a:p>
-        </p:txBody>
-      </p:sp>
-      <p:sp>
-        <p:nvSpPr>
-          <p:cNvPr id="4" name="Arrow: Right 3">
-            <a:extLst>
-              <a:ext uri="{FF2B5EF4-FFF2-40B4-BE49-F238E27FC236}">
-                <a16:creationId xmlns:a16="http://schemas.microsoft.com/office/drawing/2014/main" id="{8F1F79B6-AEF0-4EC7-BCA6-69A051E3100D}"/>
-              </a:ext>
-            </a:extLst>
-          </p:cNvPr>
-          <p:cNvSpPr/>
-          <p:nvPr/>
-        </p:nvSpPr>
-        <p:spPr>
-          <a:xfrm>
-            <a:off x="3994447" y="2391553"/>
-            <a:ext cx="430696" cy="298174"/>
-          </a:xfrm>
-          <a:prstGeom prst="rightArrow">
-            <a:avLst/>
-          </a:prstGeom>
-        </p:spPr>
-        <p:style>
-          <a:lnRef idx="2">
-            <a:schemeClr val="accent1">
-              <a:shade val="50000"/>
-            </a:schemeClr>
-          </a:lnRef>
-          <a:fillRef idx="1">
-            <a:schemeClr val="accent1"/>
-          </a:fillRef>
-          <a:effectRef idx="0">
-            <a:schemeClr val="accent1"/>
-          </a:effectRef>
-          <a:fontRef idx="minor">
-            <a:schemeClr val="lt1"/>
-          </a:fontRef>
-        </p:style>
-        <p:txBody>
-          <a:bodyPr rtlCol="0" anchor="ctr"/>
-          <a:lstStyle/>
-          <a:p>
-            <a:pPr algn="ctr"/>
-            <a:endParaRPr lang="ro-RO"/>
-          </a:p>
-        </p:txBody>
-      </p:sp>
-      <p:sp>
-        <p:nvSpPr>
-          <p:cNvPr id="5" name="Arrow: Right 4">
-            <a:extLst>
-              <a:ext uri="{FF2B5EF4-FFF2-40B4-BE49-F238E27FC236}">
-                <a16:creationId xmlns:a16="http://schemas.microsoft.com/office/drawing/2014/main" id="{4560F2D0-A34F-4311-93D8-1B535E5EAED3}"/>
-              </a:ext>
-            </a:extLst>
-          </p:cNvPr>
-          <p:cNvSpPr/>
-          <p:nvPr/>
-        </p:nvSpPr>
-        <p:spPr>
-          <a:xfrm>
-            <a:off x="5076708" y="3385466"/>
-            <a:ext cx="430696" cy="298174"/>
-          </a:xfrm>
-          <a:prstGeom prst="rightArrow">
-            <a:avLst/>
-          </a:prstGeom>
-        </p:spPr>
-        <p:style>
-          <a:lnRef idx="2">
-            <a:schemeClr val="accent1">
-              <a:shade val="50000"/>
-            </a:schemeClr>
-          </a:lnRef>
-          <a:fillRef idx="1">
-            <a:schemeClr val="accent1"/>
-          </a:fillRef>
-          <a:effectRef idx="0">
-            <a:schemeClr val="accent1"/>
-          </a:effectRef>
-          <a:fontRef idx="minor">
-            <a:schemeClr val="lt1"/>
-          </a:fontRef>
-        </p:style>
-        <p:txBody>
-          <a:bodyPr rtlCol="0" anchor="ctr"/>
-          <a:lstStyle/>
-          <a:p>
-            <a:pPr algn="ctr"/>
-            <a:endParaRPr lang="ro-RO"/>
-          </a:p>
-        </p:txBody>
-      </p:sp>
-      <p:sp>
-        <p:nvSpPr>
-          <p:cNvPr id="6" name="Arrow: Right 5">
-            <a:extLst>
-              <a:ext uri="{FF2B5EF4-FFF2-40B4-BE49-F238E27FC236}">
-                <a16:creationId xmlns:a16="http://schemas.microsoft.com/office/drawing/2014/main" id="{3D5ADD8F-494A-442F-88AE-EE69035182CB}"/>
-              </a:ext>
-            </a:extLst>
-          </p:cNvPr>
-          <p:cNvSpPr/>
-          <p:nvPr/>
-        </p:nvSpPr>
-        <p:spPr>
-          <a:xfrm>
-            <a:off x="3850881" y="4699640"/>
-            <a:ext cx="430696" cy="298174"/>
-          </a:xfrm>
-          <a:prstGeom prst="rightArrow">
-            <a:avLst/>
-          </a:prstGeom>
-        </p:spPr>
-        <p:style>
-          <a:lnRef idx="2">
-            <a:schemeClr val="accent1">
-              <a:shade val="50000"/>
-            </a:schemeClr>
-          </a:lnRef>
-          <a:fillRef idx="1">
-            <a:schemeClr val="accent1"/>
-          </a:fillRef>
-          <a:effectRef idx="0">
-            <a:schemeClr val="accent1"/>
-          </a:effectRef>
-          <a:fontRef idx="minor">
-            <a:schemeClr val="lt1"/>
-          </a:fontRef>
-        </p:style>
-        <p:txBody>
-          <a:bodyPr rtlCol="0" anchor="ctr"/>
-          <a:lstStyle/>
-          <a:p>
-            <a:pPr algn="ctr"/>
-            <a:endParaRPr lang="ro-RO"/>
+                <a:cs typeface="Times New Roman"/>
+              </a:rPr>
+              <a:t>Opțiunea de selecție a genului și, totodată, a activității la care se ia parte.</a:t>
+            </a:r>
           </a:p>
         </p:txBody>
       </p:sp>
     </p:spTree>
     <p:extLst>
       <p:ext uri="{BB962C8B-B14F-4D97-AF65-F5344CB8AC3E}">
-        <p14:creationId xmlns:p14="http://schemas.microsoft.com/office/powerpoint/2010/main" val="10399009"/>
+        <p14:creationId xmlns:p14="http://schemas.microsoft.com/office/powerpoint/2010/main" val="1097962073"/>
       </p:ext>
     </p:extLst>
   </p:cSld>
@@ -5016,7 +5535,7 @@
           <p:cNvPr id="2" name="Title 1">
             <a:extLst>
               <a:ext uri="{FF2B5EF4-FFF2-40B4-BE49-F238E27FC236}">
-                <a16:creationId xmlns:a16="http://schemas.microsoft.com/office/drawing/2014/main" id="{1D3FF07C-F0DD-46D2-A3EC-7C81D75E7162}"/>
+                <a16:creationId xmlns:a16="http://schemas.microsoft.com/office/drawing/2014/main" id="{7A90B968-EAD8-412C-A3C9-56DB4617D970}"/>
               </a:ext>
             </a:extLst>
           </p:cNvPr>
@@ -5029,16 +5548,16 @@
         </p:nvSpPr>
         <p:spPr/>
         <p:txBody>
-          <a:bodyPr>
-            <a:normAutofit/>
-          </a:bodyPr>
+          <a:bodyPr/>
           <a:lstStyle/>
           <a:p>
             <a:r>
-              <a:rPr lang="ro-RO" sz="6000" b="1" u="sng" dirty="0"/>
-              <a:t>Elemente de noutate</a:t>
-            </a:r>
-            <a:endParaRPr lang="ro-RO" sz="6000" dirty="0"/>
+              <a:rPr lang="ro-RO" sz="6000" b="1" u="sng" dirty="0">
+                <a:latin typeface="Times New Roman"/>
+                <a:cs typeface="Times New Roman"/>
+              </a:rPr>
+              <a:t>Tehnologii utilizate</a:t>
+            </a:r>
           </a:p>
         </p:txBody>
       </p:sp>
@@ -5047,7 +5566,7 @@
           <p:cNvPr id="3" name="Content Placeholder 2">
             <a:extLst>
               <a:ext uri="{FF2B5EF4-FFF2-40B4-BE49-F238E27FC236}">
-                <a16:creationId xmlns:a16="http://schemas.microsoft.com/office/drawing/2014/main" id="{2D6A6FB3-1218-4F27-BC43-331A287DDC2A}"/>
+                <a16:creationId xmlns:a16="http://schemas.microsoft.com/office/drawing/2014/main" id="{48A322F3-D74A-48E1-BD87-D0AB99704D98}"/>
               </a:ext>
             </a:extLst>
           </p:cNvPr>
@@ -5055,7 +5574,7 @@
             <a:spLocks noGrp="1"/>
           </p:cNvSpPr>
           <p:nvPr>
-            <p:ph idx="1"/>
+            <p:ph sz="half" idx="1"/>
           </p:nvPr>
         </p:nvSpPr>
         <p:spPr/>
@@ -5067,83 +5586,254 @@
           <a:p>
             <a:pPr marL="383540" indent="-383540"/>
             <a:r>
-              <a:rPr lang="ro-RO" sz="2400" dirty="0">
-                <a:latin typeface="Times New Roman"/>
-                <a:cs typeface="Times New Roman"/>
-              </a:rPr>
-              <a:t>Folosirea Inteligenței Artificiale, mai exact a </a:t>
-            </a:r>
-            <a:r>
-              <a:rPr lang="ro-RO" sz="2400" err="1">
-                <a:latin typeface="Times New Roman"/>
-                <a:cs typeface="Times New Roman"/>
-              </a:rPr>
-              <a:t>Machine</a:t>
-            </a:r>
-            <a:r>
-              <a:rPr lang="ro-RO" sz="2400" dirty="0">
-                <a:latin typeface="Times New Roman"/>
-                <a:cs typeface="Times New Roman"/>
-              </a:rPr>
-              <a:t> </a:t>
-            </a:r>
-            <a:r>
-              <a:rPr lang="ro-RO" sz="2400" err="1">
-                <a:latin typeface="Times New Roman"/>
-                <a:cs typeface="Times New Roman"/>
-              </a:rPr>
-              <a:t>Learning</a:t>
-            </a:r>
-            <a:r>
-              <a:rPr lang="ro-RO" sz="2400" dirty="0">
-                <a:latin typeface="Times New Roman"/>
-                <a:cs typeface="Times New Roman"/>
-              </a:rPr>
-              <a:t>-ului pentru oferirea unei preziceri corecte și folositoare;</a:t>
-            </a:r>
+              <a:rPr lang="ro-RO" b="1" dirty="0"/>
+              <a:t>FRONT-END: </a:t>
+            </a:r>
+            <a:endParaRPr lang="ro-RO" dirty="0"/>
+          </a:p>
+          <a:p>
+            <a:pPr lvl="1" indent="-383540">
+              <a:buFont typeface="Wingdings" panose="020B0503020102020204" pitchFamily="34" charset="0"/>
+              <a:buChar char="Ø"/>
+            </a:pPr>
+            <a:r>
+              <a:rPr lang="ro-RO" i="0" dirty="0"/>
+              <a:t>HTML</a:t>
+            </a:r>
+          </a:p>
+          <a:p>
+            <a:pPr lvl="1" indent="-383540">
+              <a:buFont typeface="Wingdings" panose="020B0503020102020204" pitchFamily="34" charset="0"/>
+              <a:buChar char="Ø"/>
+            </a:pPr>
+            <a:r>
+              <a:rPr lang="ro-RO" i="0" dirty="0" err="1"/>
+              <a:t>JavaScript</a:t>
+            </a:r>
+            <a:endParaRPr lang="ro-RO" i="0"/>
+          </a:p>
+          <a:p>
+            <a:pPr lvl="1" indent="-383540">
+              <a:buFont typeface="Wingdings" panose="020B0503020102020204" pitchFamily="34" charset="0"/>
+              <a:buChar char="Ø"/>
+            </a:pPr>
+            <a:r>
+              <a:rPr lang="ro-RO" i="0" dirty="0"/>
+              <a:t>CSS</a:t>
+            </a:r>
+          </a:p>
+          <a:p>
+            <a:pPr lvl="1" indent="-383540">
+              <a:buFont typeface="Wingdings" panose="020B0503020102020204" pitchFamily="34" charset="0"/>
+              <a:buChar char="Ø"/>
+            </a:pPr>
+            <a:r>
+              <a:rPr lang="ro-RO" i="0" dirty="0" err="1"/>
+              <a:t>Bootstrap</a:t>
+            </a:r>
+            <a:endParaRPr lang="ro-RO" i="0"/>
+          </a:p>
+          <a:p>
+            <a:pPr lvl="1" indent="-383540">
+              <a:buFont typeface="Wingdings" panose="020B0503020102020204" pitchFamily="34" charset="0"/>
+              <a:buChar char="Ø"/>
+            </a:pPr>
+            <a:endParaRPr lang="ro-RO" b="1" i="0" dirty="0"/>
+          </a:p>
+        </p:txBody>
+      </p:sp>
+      <p:sp>
+        <p:nvSpPr>
+          <p:cNvPr id="4" name="Content Placeholder 3">
+            <a:extLst>
+              <a:ext uri="{FF2B5EF4-FFF2-40B4-BE49-F238E27FC236}">
+                <a16:creationId xmlns:a16="http://schemas.microsoft.com/office/drawing/2014/main" id="{8DC7DA5D-FD4C-4B63-98C9-C46948FDDD9C}"/>
+              </a:ext>
+            </a:extLst>
+          </p:cNvPr>
+          <p:cNvSpPr>
+            <a:spLocks noGrp="1"/>
+          </p:cNvSpPr>
+          <p:nvPr>
+            <p:ph sz="half" idx="2"/>
+          </p:nvPr>
+        </p:nvSpPr>
+        <p:spPr>
+          <a:xfrm>
+            <a:off x="5547744" y="2285999"/>
+            <a:ext cx="5971784" cy="3581401"/>
+          </a:xfrm>
+        </p:spPr>
+        <p:txBody>
+          <a:bodyPr vert="horz" lIns="91440" tIns="45720" rIns="91440" bIns="45720" rtlCol="0" anchor="t">
+            <a:normAutofit/>
+          </a:bodyPr>
+          <a:lstStyle/>
+          <a:p>
+            <a:pPr marL="383540" indent="-383540"/>
+            <a:r>
+              <a:rPr lang="ro-RO" b="1" dirty="0"/>
+              <a:t>BACK-END</a:t>
+            </a:r>
+            <a:endParaRPr lang="ro-RO" dirty="0"/>
+          </a:p>
+          <a:p>
+            <a:pPr lvl="1" indent="-383540">
+              <a:buFont typeface="Wingdings" panose="020B0503020102020204" pitchFamily="34" charset="0"/>
+              <a:buChar char="Ø"/>
+            </a:pPr>
+            <a:r>
+              <a:rPr lang="ro-RO" i="0" dirty="0" err="1"/>
+              <a:t>Wamp</a:t>
+            </a:r>
+            <a:r>
+              <a:rPr lang="ro-RO" i="0" dirty="0"/>
+              <a:t> (Apache, PHP, </a:t>
+            </a:r>
+            <a:r>
+              <a:rPr lang="ro-RO" i="0" dirty="0" err="1"/>
+              <a:t>MySQL</a:t>
+            </a:r>
+            <a:r>
+              <a:rPr lang="ro-RO" i="0" dirty="0"/>
+              <a:t>, </a:t>
+            </a:r>
+            <a:r>
+              <a:rPr lang="ro-RO" i="0" dirty="0" err="1"/>
+              <a:t>phpMyAdmin</a:t>
+            </a:r>
+            <a:r>
+              <a:rPr lang="ro-RO" i="0" dirty="0"/>
+              <a:t>)</a:t>
+            </a:r>
+          </a:p>
+          <a:p>
+            <a:pPr lvl="1" indent="-383540">
+              <a:buFont typeface="Wingdings" panose="020B0503020102020204" pitchFamily="34" charset="0"/>
+              <a:buChar char="Ø"/>
+            </a:pPr>
+            <a:r>
+              <a:rPr lang="ro-RO" i="0" dirty="0" err="1"/>
+              <a:t>Python</a:t>
+            </a:r>
+            <a:endParaRPr lang="ro-RO" i="0"/>
+          </a:p>
+          <a:p>
+            <a:pPr lvl="1" indent="-383540">
+              <a:buFont typeface="Wingdings" panose="020B0503020102020204" pitchFamily="34" charset="0"/>
+              <a:buChar char="Ø"/>
+            </a:pPr>
+            <a:r>
+              <a:rPr lang="ro-RO" i="0" dirty="0"/>
+              <a:t>API: ipinfo.ro</a:t>
+            </a:r>
+          </a:p>
+          <a:p>
+            <a:pPr lvl="1" indent="-383540">
+              <a:buFont typeface="Wingdings" panose="020B0503020102020204" pitchFamily="34" charset="0"/>
+              <a:buChar char="Ø"/>
+            </a:pPr>
+            <a:r>
+              <a:rPr lang="ro-RO" i="0" dirty="0"/>
+              <a:t>API: </a:t>
+            </a:r>
+            <a:r>
+              <a:rPr lang="ro-RO" i="0" dirty="0">
+                <a:ea typeface="+mn-lt"/>
+                <a:cs typeface="+mn-lt"/>
+              </a:rPr>
+              <a:t>fcc-weather-api.glitch.me</a:t>
+            </a:r>
+            <a:endParaRPr lang="ro-RO" i="0" dirty="0"/>
+          </a:p>
+          <a:p>
+            <a:pPr lvl="1" indent="-383540">
+              <a:buFont typeface="Wingdings" panose="020B0503020102020204" pitchFamily="34" charset="0"/>
+              <a:buChar char="Ø"/>
+            </a:pPr>
+            <a:r>
+              <a:rPr lang="ro-RO" i="0" dirty="0"/>
+              <a:t>ML.net &amp; .NET Core</a:t>
+            </a:r>
+          </a:p>
+          <a:p>
+            <a:pPr lvl="1" indent="-383540">
+              <a:buFont typeface="Wingdings" panose="020B0503020102020204" pitchFamily="34" charset="0"/>
+              <a:buChar char="Ø"/>
+            </a:pPr>
+            <a:r>
+              <a:rPr lang="ro-RO" i="0" dirty="0" err="1"/>
+              <a:t>PHPMailer</a:t>
+            </a:r>
+            <a:endParaRPr lang="ro-RO" i="0" dirty="0"/>
+          </a:p>
+          <a:p>
+            <a:pPr lvl="1" indent="-383540">
+              <a:buFont typeface="Wingdings" panose="020B0503020102020204" pitchFamily="34" charset="0"/>
+              <a:buChar char="Ø"/>
+            </a:pPr>
+            <a:r>
+              <a:rPr lang="ro-RO" i="0" dirty="0"/>
+              <a:t>SMTP: </a:t>
+            </a:r>
+            <a:r>
+              <a:rPr lang="ro-RO" i="0" dirty="0" err="1"/>
+              <a:t>Sendgrid</a:t>
+            </a:r>
+          </a:p>
+          <a:p>
+            <a:pPr lvl="1" indent="-383540">
+              <a:buFont typeface="Wingdings" panose="020B0503020102020204" pitchFamily="34" charset="0"/>
+              <a:buChar char="Ø"/>
+            </a:pPr>
+            <a:r>
+              <a:rPr lang="ro-RO" i="0" dirty="0">
+                <a:ea typeface="+mn-lt"/>
+                <a:cs typeface="+mn-lt"/>
+              </a:rPr>
+              <a:t>API: </a:t>
+            </a:r>
+            <a:r>
+              <a:rPr lang="ro-RO" i="0" dirty="0" err="1">
+                <a:ea typeface="+mn-lt"/>
+                <a:cs typeface="+mn-lt"/>
+              </a:rPr>
+              <a:t>Leaflet</a:t>
+            </a:r>
+          </a:p>
+          <a:p>
+            <a:pPr lvl="1" indent="-383540">
+              <a:buFont typeface="Wingdings" panose="020B0503020102020204" pitchFamily="34" charset="0"/>
+              <a:buChar char="Ø"/>
+            </a:pPr>
+            <a:endParaRPr lang="ro-RO" i="0" dirty="0"/>
+          </a:p>
+          <a:p>
+            <a:pPr lvl="1" indent="-383540">
+              <a:buFont typeface="Wingdings" panose="020B0503020102020204" pitchFamily="34" charset="0"/>
+              <a:buChar char="Ø"/>
+            </a:pPr>
+            <a:endParaRPr lang="ro-RO" i="0" dirty="0"/>
+          </a:p>
+          <a:p>
+            <a:pPr lvl="1" indent="-383540">
+              <a:buFont typeface="Wingdings" panose="020B0503020102020204" pitchFamily="34" charset="0"/>
+              <a:buChar char="Ø"/>
+            </a:pPr>
+            <a:endParaRPr lang="ro-RO" i="0" dirty="0"/>
           </a:p>
           <a:p>
             <a:pPr marL="0" indent="0">
               <a:buNone/>
             </a:pPr>
-            <a:endParaRPr lang="ro-RO" sz="2400" dirty="0">
-              <a:latin typeface="Times New Roman"/>
-              <a:cs typeface="Times New Roman"/>
-            </a:endParaRPr>
-          </a:p>
-          <a:p>
-            <a:pPr marL="383540" indent="-383540"/>
-            <a:r>
-              <a:rPr lang="ro-RO" sz="2400" dirty="0">
-                <a:latin typeface="Times New Roman"/>
-                <a:cs typeface="Times New Roman"/>
-              </a:rPr>
-              <a:t>Trimiterea e-mail-urilor zilnice către abonați;</a:t>
-            </a:r>
-          </a:p>
-          <a:p>
-            <a:pPr marL="383540" indent="-383540"/>
-            <a:endParaRPr lang="ro-RO" sz="2400" dirty="0">
-              <a:latin typeface="Times New Roman"/>
-              <a:cs typeface="Times New Roman"/>
-            </a:endParaRPr>
-          </a:p>
-          <a:p>
-            <a:pPr marL="383540" indent="-383540"/>
-            <a:r>
-              <a:rPr lang="ro-RO" sz="2400" dirty="0">
-                <a:latin typeface="Times New Roman"/>
-                <a:cs typeface="Times New Roman"/>
-              </a:rPr>
-              <a:t>Opțiunea de selecție a genului și, totodată, a activității la care se ia parte.</a:t>
-            </a:r>
+            <a:endParaRPr lang="ro-RO" b="1" dirty="0"/>
           </a:p>
         </p:txBody>
       </p:sp>
     </p:spTree>
     <p:extLst>
       <p:ext uri="{BB962C8B-B14F-4D97-AF65-F5344CB8AC3E}">
-        <p14:creationId xmlns:p14="http://schemas.microsoft.com/office/powerpoint/2010/main" val="1097962073"/>
+        <p14:creationId xmlns:p14="http://schemas.microsoft.com/office/powerpoint/2010/main" val="2315358024"/>
       </p:ext>
     </p:extLst>
   </p:cSld>
@@ -5175,7 +5865,7 @@
           <p:cNvPr id="2" name="Title 1">
             <a:extLst>
               <a:ext uri="{FF2B5EF4-FFF2-40B4-BE49-F238E27FC236}">
-                <a16:creationId xmlns:a16="http://schemas.microsoft.com/office/drawing/2014/main" id="{7A90B968-EAD8-412C-A3C9-56DB4617D970}"/>
+                <a16:creationId xmlns:a16="http://schemas.microsoft.com/office/drawing/2014/main" id="{8D96F7C6-B1B9-4C33-AD8D-C9B067F906D9}"/>
               </a:ext>
             </a:extLst>
           </p:cNvPr>
@@ -5186,9 +5876,16 @@
             <p:ph type="title"/>
           </p:nvPr>
         </p:nvSpPr>
-        <p:spPr/>
-        <p:txBody>
-          <a:bodyPr/>
+        <p:spPr>
+          <a:xfrm>
+            <a:off x="1100889" y="495299"/>
+            <a:ext cx="9601200" cy="1275348"/>
+          </a:xfrm>
+        </p:spPr>
+        <p:txBody>
+          <a:bodyPr>
+            <a:normAutofit fontScale="90000"/>
+          </a:bodyPr>
           <a:lstStyle/>
           <a:p>
             <a:r>
@@ -5196,272 +5893,67 @@
                 <a:latin typeface="Times New Roman"/>
                 <a:cs typeface="Times New Roman"/>
               </a:rPr>
-              <a:t>Tehnologii utilizate</a:t>
-            </a:r>
-          </a:p>
-        </p:txBody>
-      </p:sp>
-      <p:sp>
-        <p:nvSpPr>
-          <p:cNvPr id="3" name="Content Placeholder 2">
+              <a:t>Structura</a:t>
+            </a:r>
+            <a:br>
+              <a:rPr lang="ro-RO" sz="6000" b="1" u="sng" dirty="0">
+                <a:latin typeface="Times New Roman"/>
+                <a:cs typeface="Times New Roman"/>
+              </a:rPr>
+            </a:br>
+            <a:r>
+              <a:rPr lang="ro-RO" sz="6000" b="1" dirty="0">
+                <a:latin typeface="Times New Roman"/>
+                <a:cs typeface="Times New Roman"/>
+              </a:rPr>
+              <a:t>      </a:t>
+            </a:r>
+            <a:r>
+              <a:rPr lang="ro-RO" sz="6000" b="1" u="sng" dirty="0">
+                <a:latin typeface="Times New Roman"/>
+                <a:cs typeface="Times New Roman"/>
+              </a:rPr>
+              <a:t>aplicației</a:t>
+            </a:r>
+          </a:p>
+        </p:txBody>
+      </p:sp>
+      <p:pic>
+        <p:nvPicPr>
+          <p:cNvPr id="4" name="Picture 4">
             <a:extLst>
               <a:ext uri="{FF2B5EF4-FFF2-40B4-BE49-F238E27FC236}">
-                <a16:creationId xmlns:a16="http://schemas.microsoft.com/office/drawing/2014/main" id="{48A322F3-D74A-48E1-BD87-D0AB99704D98}"/>
+                <a16:creationId xmlns:a16="http://schemas.microsoft.com/office/drawing/2014/main" id="{D5B7CA54-900D-48A2-8627-7BEA9C29C667}"/>
               </a:ext>
             </a:extLst>
           </p:cNvPr>
-          <p:cNvSpPr>
-            <a:spLocks noGrp="1"/>
-          </p:cNvSpPr>
-          <p:nvPr>
-            <p:ph sz="half" idx="1"/>
-          </p:nvPr>
-        </p:nvSpPr>
-        <p:spPr/>
-        <p:txBody>
-          <a:bodyPr vert="horz" lIns="91440" tIns="45720" rIns="91440" bIns="45720" rtlCol="0" anchor="t">
-            <a:normAutofit/>
-          </a:bodyPr>
-          <a:lstStyle/>
-          <a:p>
-            <a:pPr marL="383540" indent="-383540"/>
-            <a:r>
-              <a:rPr lang="ro-RO" b="1" dirty="0"/>
-              <a:t>FRONT-END: </a:t>
-            </a:r>
-            <a:endParaRPr lang="ro-RO" dirty="0"/>
-          </a:p>
-          <a:p>
-            <a:pPr lvl="1" indent="-383540">
-              <a:buFont typeface="Wingdings" panose="020B0503020102020204" pitchFamily="34" charset="0"/>
-              <a:buChar char="Ø"/>
-            </a:pPr>
-            <a:r>
-              <a:rPr lang="ro-RO" i="0" dirty="0"/>
-              <a:t>PHP</a:t>
-            </a:r>
-          </a:p>
-          <a:p>
-            <a:pPr lvl="1" indent="-383540">
-              <a:buFont typeface="Wingdings" panose="020B0503020102020204" pitchFamily="34" charset="0"/>
-              <a:buChar char="Ø"/>
-            </a:pPr>
-            <a:r>
-              <a:rPr lang="ro-RO" i="0" dirty="0"/>
-              <a:t>HTML</a:t>
-            </a:r>
-          </a:p>
-          <a:p>
-            <a:pPr lvl="1" indent="-383540">
-              <a:buFont typeface="Wingdings" panose="020B0503020102020204" pitchFamily="34" charset="0"/>
-              <a:buChar char="Ø"/>
-            </a:pPr>
-            <a:r>
-              <a:rPr lang="ro-RO" i="0" dirty="0" err="1"/>
-              <a:t>JavaScript</a:t>
-            </a:r>
-          </a:p>
-          <a:p>
-            <a:pPr lvl="1" indent="-383540">
-              <a:buFont typeface="Wingdings" panose="020B0503020102020204" pitchFamily="34" charset="0"/>
-              <a:buChar char="Ø"/>
-            </a:pPr>
-            <a:r>
-              <a:rPr lang="ro-RO" i="0" dirty="0"/>
-              <a:t>CSS</a:t>
-            </a:r>
-          </a:p>
-          <a:p>
-            <a:pPr lvl="1" indent="-383540">
-              <a:buFont typeface="Wingdings" panose="020B0503020102020204" pitchFamily="34" charset="0"/>
-              <a:buChar char="Ø"/>
-            </a:pPr>
-            <a:r>
-              <a:rPr lang="ro-RO" i="0" dirty="0" err="1"/>
-              <a:t>Bootstrap</a:t>
-            </a:r>
-          </a:p>
-          <a:p>
-            <a:pPr lvl="1" indent="-383540">
-              <a:buFont typeface="Wingdings" panose="020B0503020102020204" pitchFamily="34" charset="0"/>
-              <a:buChar char="Ø"/>
-            </a:pPr>
-            <a:r>
-              <a:rPr lang="ro-RO" i="0" dirty="0" err="1"/>
-              <a:t>Leaflet</a:t>
-            </a:r>
-          </a:p>
-          <a:p>
-            <a:pPr lvl="1" indent="-383540">
-              <a:buFont typeface="Wingdings" panose="020B0503020102020204" pitchFamily="34" charset="0"/>
-              <a:buChar char="Ø"/>
-            </a:pPr>
-            <a:endParaRPr lang="ro-RO" b="1" i="0" dirty="0"/>
-          </a:p>
-        </p:txBody>
-      </p:sp>
-      <p:sp>
-        <p:nvSpPr>
-          <p:cNvPr id="4" name="Content Placeholder 3">
-            <a:extLst>
-              <a:ext uri="{FF2B5EF4-FFF2-40B4-BE49-F238E27FC236}">
-                <a16:creationId xmlns:a16="http://schemas.microsoft.com/office/drawing/2014/main" id="{8DC7DA5D-FD4C-4B63-98C9-C46948FDDD9C}"/>
-              </a:ext>
-            </a:extLst>
-          </p:cNvPr>
-          <p:cNvSpPr>
-            <a:spLocks noGrp="1"/>
-          </p:cNvSpPr>
-          <p:nvPr>
-            <p:ph sz="half" idx="2"/>
-          </p:nvPr>
-        </p:nvSpPr>
+          <p:cNvPicPr>
+            <a:picLocks noGrp="1" noChangeAspect="1"/>
+          </p:cNvPicPr>
+          <p:nvPr>
+            <p:ph idx="1"/>
+          </p:nvPr>
+        </p:nvPicPr>
+        <p:blipFill>
+          <a:blip r:embed="rId2"/>
+          <a:stretch>
+            <a:fillRect/>
+          </a:stretch>
+        </p:blipFill>
         <p:spPr>
           <a:xfrm>
-            <a:off x="5547744" y="2285999"/>
-            <a:ext cx="5971784" cy="3581401"/>
+            <a:off x="5644708" y="50132"/>
+            <a:ext cx="6278692" cy="6739688"/>
           </a:xfrm>
+          <a:prstGeom prst="rect">
+            <a:avLst/>
+          </a:prstGeom>
         </p:spPr>
-        <p:txBody>
-          <a:bodyPr vert="horz" lIns="91440" tIns="45720" rIns="91440" bIns="45720" rtlCol="0" anchor="t">
-            <a:normAutofit/>
-          </a:bodyPr>
-          <a:lstStyle/>
-          <a:p>
-            <a:pPr marL="383540" indent="-383540"/>
-            <a:r>
-              <a:rPr lang="ro-RO" b="1" dirty="0"/>
-              <a:t>BACK-END</a:t>
-            </a:r>
-            <a:endParaRPr lang="ro-RO" dirty="0"/>
-          </a:p>
-          <a:p>
-            <a:pPr lvl="1" indent="-383540">
-              <a:buFont typeface="Wingdings" panose="020B0503020102020204" pitchFamily="34" charset="0"/>
-              <a:buChar char="Ø"/>
-            </a:pPr>
-            <a:r>
-              <a:rPr lang="ro-RO" i="0" dirty="0" err="1"/>
-              <a:t>Wamp</a:t>
-            </a:r>
-            <a:r>
-              <a:rPr lang="ro-RO" i="0" dirty="0"/>
-              <a:t> (Apache, PHP, </a:t>
-            </a:r>
-            <a:r>
-              <a:rPr lang="ro-RO" i="0" dirty="0" err="1"/>
-              <a:t>MySQL</a:t>
-            </a:r>
-            <a:r>
-              <a:rPr lang="ro-RO" i="0" dirty="0"/>
-              <a:t>, </a:t>
-            </a:r>
-            <a:r>
-              <a:rPr lang="ro-RO" i="0" dirty="0" err="1"/>
-              <a:t>phpMyAdmin</a:t>
-            </a:r>
-            <a:r>
-              <a:rPr lang="ro-RO" i="0" dirty="0"/>
-              <a:t>)</a:t>
-            </a:r>
-          </a:p>
-          <a:p>
-            <a:pPr lvl="1" indent="-383540">
-              <a:buFont typeface="Wingdings" panose="020B0503020102020204" pitchFamily="34" charset="0"/>
-              <a:buChar char="Ø"/>
-            </a:pPr>
-            <a:r>
-              <a:rPr lang="ro-RO" i="0" dirty="0" err="1"/>
-              <a:t>Python</a:t>
-            </a:r>
-            <a:endParaRPr lang="ro-RO" i="0"/>
-          </a:p>
-          <a:p>
-            <a:pPr lvl="1" indent="-383540">
-              <a:buFont typeface="Wingdings" panose="020B0503020102020204" pitchFamily="34" charset="0"/>
-              <a:buChar char="Ø"/>
-            </a:pPr>
-            <a:r>
-              <a:rPr lang="ro-RO" i="0" dirty="0"/>
-              <a:t>API: ipinfo.ro</a:t>
-            </a:r>
-          </a:p>
-          <a:p>
-            <a:pPr lvl="1" indent="-383540">
-              <a:buFont typeface="Wingdings" panose="020B0503020102020204" pitchFamily="34" charset="0"/>
-              <a:buChar char="Ø"/>
-            </a:pPr>
-            <a:r>
-              <a:rPr lang="ro-RO" i="0" dirty="0"/>
-              <a:t>API: </a:t>
-            </a:r>
-            <a:r>
-              <a:rPr lang="ro-RO" i="0" dirty="0">
-                <a:ea typeface="+mn-lt"/>
-                <a:cs typeface="+mn-lt"/>
-              </a:rPr>
-              <a:t>fcc-weather-api.glitch.me</a:t>
-            </a:r>
-            <a:endParaRPr lang="ro-RO" i="0" dirty="0"/>
-          </a:p>
-          <a:p>
-            <a:pPr lvl="1" indent="-383540">
-              <a:buFont typeface="Wingdings" panose="020B0503020102020204" pitchFamily="34" charset="0"/>
-              <a:buChar char="Ø"/>
-            </a:pPr>
-            <a:r>
-              <a:rPr lang="ro-RO" i="0" dirty="0"/>
-              <a:t>ML.net &amp; .NET Core</a:t>
-            </a:r>
-          </a:p>
-          <a:p>
-            <a:pPr lvl="1" indent="-383540">
-              <a:buFont typeface="Wingdings" panose="020B0503020102020204" pitchFamily="34" charset="0"/>
-              <a:buChar char="Ø"/>
-            </a:pPr>
-            <a:r>
-              <a:rPr lang="ro-RO" i="0" dirty="0" err="1"/>
-              <a:t>PHPMailer</a:t>
-            </a:r>
-            <a:endParaRPr lang="ro-RO" i="0" dirty="0"/>
-          </a:p>
-          <a:p>
-            <a:pPr lvl="1" indent="-383540">
-              <a:buFont typeface="Wingdings" panose="020B0503020102020204" pitchFamily="34" charset="0"/>
-              <a:buChar char="Ø"/>
-            </a:pPr>
-            <a:r>
-              <a:rPr lang="ro-RO" i="0" dirty="0" err="1"/>
-              <a:t>Sendgrid</a:t>
-            </a:r>
-            <a:endParaRPr lang="ro-RO" i="0" dirty="0"/>
-          </a:p>
-          <a:p>
-            <a:pPr lvl="1" indent="-383540">
-              <a:buFont typeface="Wingdings" panose="020B0503020102020204" pitchFamily="34" charset="0"/>
-              <a:buChar char="Ø"/>
-            </a:pPr>
-            <a:endParaRPr lang="ro-RO" i="0" dirty="0"/>
-          </a:p>
-          <a:p>
-            <a:pPr lvl="1" indent="-383540">
-              <a:buFont typeface="Wingdings" panose="020B0503020102020204" pitchFamily="34" charset="0"/>
-              <a:buChar char="Ø"/>
-            </a:pPr>
-            <a:endParaRPr lang="ro-RO" i="0" dirty="0"/>
-          </a:p>
-          <a:p>
-            <a:pPr marL="0" indent="0">
-              <a:buNone/>
-            </a:pPr>
-            <a:endParaRPr lang="ro-RO" b="1" dirty="0"/>
-          </a:p>
-        </p:txBody>
-      </p:sp>
+      </p:pic>
     </p:spTree>
     <p:extLst>
       <p:ext uri="{BB962C8B-B14F-4D97-AF65-F5344CB8AC3E}">
-        <p14:creationId xmlns:p14="http://schemas.microsoft.com/office/powerpoint/2010/main" val="2315358024"/>
+        <p14:creationId xmlns:p14="http://schemas.microsoft.com/office/powerpoint/2010/main" val="574463720"/>
       </p:ext>
     </p:extLst>
   </p:cSld>
@@ -5504,54 +5996,48 @@
             <p:ph type="title"/>
           </p:nvPr>
         </p:nvSpPr>
-        <p:spPr/>
+        <p:spPr>
+          <a:xfrm>
+            <a:off x="1371600" y="685800"/>
+            <a:ext cx="9601200" cy="5252357"/>
+          </a:xfrm>
+        </p:spPr>
         <p:txBody>
           <a:bodyPr>
             <a:normAutofit/>
           </a:bodyPr>
           <a:lstStyle/>
           <a:p>
-            <a:r>
-              <a:rPr lang="ro-RO" sz="6000" b="1" u="sng" dirty="0" err="1">
+            <a:pPr algn="ctr"/>
+            <a:br>
+              <a:rPr lang="ro-RO" sz="7200" b="1" u="sng" dirty="0">
                 <a:latin typeface="Times New Roman"/>
                 <a:cs typeface="Times New Roman"/>
               </a:rPr>
+            </a:br>
+            <a:br>
+              <a:rPr lang="ro-RO" sz="7200" b="1" u="sng" dirty="0">
+                <a:latin typeface="Times New Roman"/>
+                <a:cs typeface="Times New Roman"/>
+              </a:rPr>
+            </a:br>
+            <a:r>
+              <a:rPr lang="ro-RO" sz="7200" b="1" u="sng" dirty="0" err="1">
+                <a:latin typeface="Times New Roman"/>
+                <a:cs typeface="Times New Roman"/>
+              </a:rPr>
               <a:t>Demo</a:t>
             </a:r>
-            <a:endParaRPr lang="ro-RO" sz="6000" dirty="0" err="1">
+            <a:endParaRPr lang="ro-RO" sz="7200" dirty="0" err="1">
+              <a:ea typeface="+mj-lt"/>
+              <a:cs typeface="+mj-lt"/>
+            </a:endParaRPr>
+          </a:p>
+          <a:p>
+            <a:endParaRPr lang="ro-RO" sz="6000" b="1" u="sng" dirty="0">
               <a:latin typeface="Times New Roman"/>
               <a:cs typeface="Times New Roman"/>
             </a:endParaRPr>
-          </a:p>
-        </p:txBody>
-      </p:sp>
-      <p:sp>
-        <p:nvSpPr>
-          <p:cNvPr id="3" name="Content Placeholder 2">
-            <a:extLst>
-              <a:ext uri="{FF2B5EF4-FFF2-40B4-BE49-F238E27FC236}">
-                <a16:creationId xmlns:a16="http://schemas.microsoft.com/office/drawing/2014/main" id="{8E6FFCB9-F30A-4844-9590-F3BF703D9284}"/>
-              </a:ext>
-            </a:extLst>
-          </p:cNvPr>
-          <p:cNvSpPr>
-            <a:spLocks noGrp="1"/>
-          </p:cNvSpPr>
-          <p:nvPr>
-            <p:ph idx="1"/>
-          </p:nvPr>
-        </p:nvSpPr>
-        <p:spPr>
-          <a:xfrm>
-            <a:off x="1371600" y="2286000"/>
-            <a:ext cx="9529314" cy="3581400"/>
-          </a:xfrm>
-        </p:spPr>
-        <p:txBody>
-          <a:bodyPr/>
-          <a:lstStyle/>
-          <a:p>
-            <a:endParaRPr lang="ro-RO"/>
           </a:p>
         </p:txBody>
       </p:sp>
@@ -5634,7 +6120,12 @@
             <p:ph idx="1"/>
           </p:nvPr>
         </p:nvSpPr>
-        <p:spPr/>
+        <p:spPr>
+          <a:xfrm>
+            <a:off x="1371600" y="2286000"/>
+            <a:ext cx="9881936" cy="3581400"/>
+          </a:xfrm>
+        </p:spPr>
         <p:txBody>
           <a:bodyPr vert="horz" lIns="91440" tIns="45720" rIns="91440" bIns="45720" rtlCol="0" anchor="t">
             <a:noAutofit/>
@@ -5681,21 +6172,21 @@
                 <a:latin typeface="Times New Roman"/>
                 <a:cs typeface="Times New Roman"/>
               </a:rPr>
-              <a:t>Implementarea unei logici de utilizare prin care </a:t>
+              <a:t>Implementarea unei funcționalități ale aplicației prin care utilizatorii își pot distribui </a:t>
             </a:r>
             <a:r>
               <a:rPr lang="ro-RO" sz="2400" dirty="0" err="1">
                 <a:latin typeface="Times New Roman"/>
                 <a:cs typeface="Times New Roman"/>
               </a:rPr>
-              <a:t>utlizatorii</a:t>
+              <a:t>outfit</a:t>
             </a:r>
             <a:r>
               <a:rPr lang="ro-RO" sz="2400" dirty="0">
                 <a:latin typeface="Times New Roman"/>
                 <a:cs typeface="Times New Roman"/>
               </a:rPr>
-              <a:t> interacționează reciproc;</a:t>
+              <a:t>-urile;</a:t>
             </a:r>
           </a:p>
           <a:p>
